--- a/ASP.NET MVC/07. ASP.NET Caching Data/ASP.NET Caching Data.pptx
+++ b/ASP.NET MVC/07. ASP.NET Caching Data/ASP.NET Caching Data.pptx
@@ -13,22 +13,22 @@
   <p:sldIdLst>
     <p:sldId id="570" r:id="rId2"/>
     <p:sldId id="814" r:id="rId3"/>
-    <p:sldId id="816" r:id="rId4"/>
-    <p:sldId id="815" r:id="rId5"/>
-    <p:sldId id="819" r:id="rId6"/>
-    <p:sldId id="818" r:id="rId7"/>
-    <p:sldId id="823" r:id="rId8"/>
-    <p:sldId id="824" r:id="rId9"/>
-    <p:sldId id="825" r:id="rId10"/>
-    <p:sldId id="826" r:id="rId11"/>
-    <p:sldId id="827" r:id="rId12"/>
-    <p:sldId id="820" r:id="rId13"/>
-    <p:sldId id="822" r:id="rId14"/>
-    <p:sldId id="829" r:id="rId15"/>
-    <p:sldId id="832" r:id="rId16"/>
-    <p:sldId id="830" r:id="rId17"/>
-    <p:sldId id="831" r:id="rId18"/>
-    <p:sldId id="843" r:id="rId19"/>
+    <p:sldId id="815" r:id="rId4"/>
+    <p:sldId id="819" r:id="rId5"/>
+    <p:sldId id="818" r:id="rId6"/>
+    <p:sldId id="823" r:id="rId7"/>
+    <p:sldId id="824" r:id="rId8"/>
+    <p:sldId id="825" r:id="rId9"/>
+    <p:sldId id="826" r:id="rId10"/>
+    <p:sldId id="827" r:id="rId11"/>
+    <p:sldId id="820" r:id="rId12"/>
+    <p:sldId id="822" r:id="rId13"/>
+    <p:sldId id="829" r:id="rId14"/>
+    <p:sldId id="832" r:id="rId15"/>
+    <p:sldId id="830" r:id="rId16"/>
+    <p:sldId id="831" r:id="rId17"/>
+    <p:sldId id="843" r:id="rId18"/>
+    <p:sldId id="845" r:id="rId19"/>
     <p:sldId id="844" r:id="rId20"/>
     <p:sldId id="840" r:id="rId21"/>
     <p:sldId id="834" r:id="rId22"/>
@@ -183,7 +183,6 @@
         </p14:section>
         <p14:section name="Data Caching Concepts" id="{AAEA4232-7DAD-4280-9922-DEDFA15AA161}">
           <p14:sldIdLst>
-            <p14:sldId id="816"/>
             <p14:sldId id="815"/>
           </p14:sldIdLst>
         </p14:section>
@@ -203,6 +202,7 @@
             <p14:sldId id="830"/>
             <p14:sldId id="831"/>
             <p14:sldId id="843"/>
+            <p14:sldId id="845"/>
             <p14:sldId id="844"/>
           </p14:sldIdLst>
         </p14:section>
@@ -374,7 +374,7 @@
             <a:fld id="{3BF7C7B5-275F-4D1F-9AB4-9255447DBC73}" type="datetimeFigureOut">
               <a:rPr lang="en-US"/>
               <a:pPr/>
-              <a:t>10/30/2014</a:t>
+              <a:t>11/6/2014</a:t>
             </a:fld>
             <a:endParaRPr lang="en-US" dirty="0"/>
           </a:p>
@@ -605,7 +605,7 @@
             <a:fld id="{9B46F231-FB2B-4655-A644-E2477325E686}" type="datetimeFigureOut">
               <a:rPr lang="en-US"/>
               <a:pPr/>
-              <a:t>10/30/2014</a:t>
+              <a:t>11/6/2014</a:t>
             </a:fld>
             <a:endParaRPr lang="en-US" dirty="0"/>
           </a:p>
@@ -1099,7 +1099,7 @@
             <a:fld id="{6FB4F6EA-423E-42DF-9292-215E7D886C4E}" type="slidenum">
               <a:rPr lang="en-US" smtClean="0"/>
               <a:pPr/>
-              <a:t>9</a:t>
+              <a:t>8</a:t>
             </a:fld>
             <a:endParaRPr lang="en-US" dirty="0"/>
           </a:p>
@@ -1184,7 +1184,7 @@
             <a:fld id="{6FB4F6EA-423E-42DF-9292-215E7D886C4E}" type="slidenum">
               <a:rPr lang="en-US" smtClean="0"/>
               <a:pPr/>
-              <a:t>15</a:t>
+              <a:t>14</a:t>
             </a:fld>
             <a:endParaRPr lang="en-US" dirty="0"/>
           </a:p>
@@ -7293,298 +7293,6 @@
             <p:ph type="title"/>
           </p:nvPr>
         </p:nvSpPr>
-        <p:spPr/>
-        <p:txBody>
-          <a:bodyPr/>
-          <a:lstStyle/>
-          <a:p>
-            <a:r>
-              <a:rPr lang="en-US" dirty="0" err="1"/>
-              <a:t>VaryByParam</a:t>
-            </a:r>
-            <a:r>
-              <a:rPr lang="en-US" dirty="0"/>
-              <a:t> values</a:t>
-            </a:r>
-          </a:p>
-        </p:txBody>
-      </p:sp>
-      <p:sp>
-        <p:nvSpPr>
-          <p:cNvPr id="3" name="Content Placeholder 2"/>
-          <p:cNvSpPr>
-            <a:spLocks noGrp="1"/>
-          </p:cNvSpPr>
-          <p:nvPr>
-            <p:ph idx="1"/>
-          </p:nvPr>
-        </p:nvSpPr>
-        <p:spPr/>
-        <p:txBody>
-          <a:bodyPr/>
-          <a:lstStyle/>
-          <a:p>
-            <a:r>
-              <a:rPr lang="en-US" dirty="0"/>
-              <a:t>A semi-colon separated list of strings representing query string values in a GET request, or variables in a POST request.</a:t>
-            </a:r>
-          </a:p>
-          <a:p>
-            <a:endParaRPr lang="en-US" dirty="0"/>
-          </a:p>
-        </p:txBody>
-      </p:sp>
-      <p:sp>
-        <p:nvSpPr>
-          <p:cNvPr id="4" name="Slide Number Placeholder 3"/>
-          <p:cNvSpPr>
-            <a:spLocks noGrp="1"/>
-          </p:cNvSpPr>
-          <p:nvPr>
-            <p:ph type="sldNum" sz="quarter" idx="10"/>
-          </p:nvPr>
-        </p:nvSpPr>
-        <p:spPr/>
-        <p:txBody>
-          <a:bodyPr/>
-          <a:lstStyle/>
-          <a:p>
-            <a:pPr>
-              <a:defRPr/>
-            </a:pPr>
-            <a:fld id="{58452FF4-89E3-4D1B-9927-2DBDC00E58D7}" type="slidenum">
-              <a:rPr lang="en-US" smtClean="0"/>
-              <a:pPr>
-                <a:defRPr/>
-              </a:pPr>
-              <a:t>10</a:t>
-            </a:fld>
-            <a:endParaRPr lang="en-US" dirty="0"/>
-          </a:p>
-        </p:txBody>
-      </p:sp>
-      <p:graphicFrame>
-        <p:nvGraphicFramePr>
-          <p:cNvPr id="5" name="Content Placeholder 4"/>
-          <p:cNvGraphicFramePr>
-            <a:graphicFrameLocks/>
-          </p:cNvGraphicFramePr>
-          <p:nvPr>
-            <p:extLst>
-              <p:ext uri="{D42A27DB-BD31-4B8C-83A1-F6EECF244321}">
-                <p14:modId xmlns:p14="http://schemas.microsoft.com/office/powerpoint/2010/main" val="2719123814"/>
-              </p:ext>
-            </p:extLst>
-          </p:nvPr>
-        </p:nvGraphicFramePr>
-        <p:xfrm>
-          <a:off x="990600" y="3048000"/>
-          <a:ext cx="7086600" cy="2479040"/>
-        </p:xfrm>
-        <a:graphic>
-          <a:graphicData uri="http://schemas.openxmlformats.org/drawingml/2006/table">
-            <a:tbl>
-              <a:tblPr firstRow="1" bandRow="1">
-                <a:tableStyleId>{073A0DAA-6AF3-43AB-8588-CEC1D06C72B9}</a:tableStyleId>
-              </a:tblPr>
-              <a:tblGrid>
-                <a:gridCol w="1371600"/>
-                <a:gridCol w="5715000"/>
-              </a:tblGrid>
-              <a:tr h="370840">
-                <a:tc>
-                  <a:txBody>
-                    <a:bodyPr/>
-                    <a:lstStyle/>
-                    <a:p>
-                      <a:r>
-                        <a:rPr lang="en-US" dirty="0" smtClean="0"/>
-                        <a:t>Value</a:t>
-                      </a:r>
-                      <a:endParaRPr lang="en-US" dirty="0"/>
-                    </a:p>
-                  </a:txBody>
-                  <a:tcPr/>
-                </a:tc>
-                <a:tc>
-                  <a:txBody>
-                    <a:bodyPr/>
-                    <a:lstStyle/>
-                    <a:p>
-                      <a:r>
-                        <a:rPr lang="en-US" dirty="0" smtClean="0"/>
-                        <a:t>Description</a:t>
-                      </a:r>
-                      <a:endParaRPr lang="en-US" dirty="0"/>
-                    </a:p>
-                  </a:txBody>
-                  <a:tcPr/>
-                </a:tc>
-              </a:tr>
-              <a:tr h="370840">
-                <a:tc>
-                  <a:txBody>
-                    <a:bodyPr/>
-                    <a:lstStyle/>
-                    <a:p>
-                      <a:r>
-                        <a:rPr lang="en-US" sz="1600" dirty="0" smtClean="0"/>
-                        <a:t>'none'</a:t>
-                      </a:r>
-                      <a:endParaRPr lang="en-US" sz="1600" dirty="0"/>
-                    </a:p>
-                  </a:txBody>
-                  <a:tcPr/>
-                </a:tc>
-                <a:tc>
-                  <a:txBody>
-                    <a:bodyPr/>
-                    <a:lstStyle/>
-                    <a:p>
-                      <a:r>
-                        <a:rPr lang="en-US" sz="1600" dirty="0" smtClean="0"/>
-                        <a:t>One version of page cached per request type (GET, POST, HEAD)</a:t>
-                      </a:r>
-                      <a:endParaRPr lang="en-US" sz="1600" dirty="0"/>
-                    </a:p>
-                  </a:txBody>
-                  <a:tcPr/>
-                </a:tc>
-              </a:tr>
-              <a:tr h="370840">
-                <a:tc>
-                  <a:txBody>
-                    <a:bodyPr/>
-                    <a:lstStyle/>
-                    <a:p>
-                      <a:r>
-                        <a:rPr lang="en-US" sz="1600" dirty="0" smtClean="0"/>
-                        <a:t>'*'</a:t>
-                      </a:r>
-                      <a:endParaRPr lang="en-US" sz="1600" dirty="0"/>
-                    </a:p>
-                  </a:txBody>
-                  <a:tcPr/>
-                </a:tc>
-                <a:tc>
-                  <a:txBody>
-                    <a:bodyPr/>
-                    <a:lstStyle/>
-                    <a:p>
-                      <a:r>
-                        <a:rPr lang="en-US" sz="1600" dirty="0" smtClean="0"/>
-                        <a:t>N versions of page cached based on query string and/or POST body variables</a:t>
-                      </a:r>
-                      <a:endParaRPr lang="en-US" sz="1600" dirty="0"/>
-                    </a:p>
-                  </a:txBody>
-                  <a:tcPr/>
-                </a:tc>
-              </a:tr>
-              <a:tr h="370840">
-                <a:tc>
-                  <a:txBody>
-                    <a:bodyPr/>
-                    <a:lstStyle/>
-                    <a:p>
-                      <a:r>
-                        <a:rPr lang="en-US" sz="1600" dirty="0" smtClean="0"/>
-                        <a:t>'v1'</a:t>
-                      </a:r>
-                      <a:endParaRPr lang="en-US" sz="1600" dirty="0"/>
-                    </a:p>
-                  </a:txBody>
-                  <a:tcPr/>
-                </a:tc>
-                <a:tc>
-                  <a:txBody>
-                    <a:bodyPr/>
-                    <a:lstStyle/>
-                    <a:p>
-                      <a:r>
-                        <a:rPr lang="en-US" sz="1600" dirty="0" smtClean="0"/>
-                        <a:t>N versions of page cached based on value of v1 variable in query string or POST body</a:t>
-                      </a:r>
-                      <a:endParaRPr lang="en-US" sz="1600" dirty="0"/>
-                    </a:p>
-                  </a:txBody>
-                  <a:tcPr/>
-                </a:tc>
-              </a:tr>
-              <a:tr h="370840">
-                <a:tc>
-                  <a:txBody>
-                    <a:bodyPr/>
-                    <a:lstStyle/>
-                    <a:p>
-                      <a:r>
-                        <a:rPr lang="en-US" sz="1600" dirty="0" smtClean="0"/>
-                        <a:t>'v1;v2'</a:t>
-                      </a:r>
-                      <a:endParaRPr lang="en-US" sz="1600" dirty="0"/>
-                    </a:p>
-                  </a:txBody>
-                  <a:tcPr/>
-                </a:tc>
-                <a:tc>
-                  <a:txBody>
-                    <a:bodyPr/>
-                    <a:lstStyle/>
-                    <a:p>
-                      <a:r>
-                        <a:rPr lang="en-US" sz="1600" dirty="0" smtClean="0"/>
-                        <a:t>N versions of page cached based on value of v1 and v2 variables in query string or POST body</a:t>
-                      </a:r>
-                      <a:endParaRPr lang="en-US" sz="1600" dirty="0"/>
-                    </a:p>
-                  </a:txBody>
-                  <a:tcPr/>
-                </a:tc>
-              </a:tr>
-            </a:tbl>
-          </a:graphicData>
-        </a:graphic>
-      </p:graphicFrame>
-    </p:spTree>
-    <p:extLst>
-      <p:ext uri="{BB962C8B-B14F-4D97-AF65-F5344CB8AC3E}">
-        <p14:creationId xmlns:p14="http://schemas.microsoft.com/office/powerpoint/2010/main" val="3232027728"/>
-      </p:ext>
-    </p:extLst>
-  </p:cSld>
-  <p:clrMapOvr>
-    <a:masterClrMapping/>
-  </p:clrMapOvr>
-</p:sld>
-</file>
-
-<file path=ppt/slides/slide11.xml><?xml version="1.0" encoding="utf-8"?>
-<p:sld xmlns:a="http://schemas.openxmlformats.org/drawingml/2006/main" xmlns:r="http://schemas.openxmlformats.org/officeDocument/2006/relationships" xmlns:p="http://schemas.openxmlformats.org/presentationml/2006/main">
-  <p:cSld>
-    <p:spTree>
-      <p:nvGrpSpPr>
-        <p:cNvPr id="1" name=""/>
-        <p:cNvGrpSpPr/>
-        <p:nvPr/>
-      </p:nvGrpSpPr>
-      <p:grpSpPr>
-        <a:xfrm>
-          <a:off x="0" y="0"/>
-          <a:ext cx="0" cy="0"/>
-          <a:chOff x="0" y="0"/>
-          <a:chExt cx="0" cy="0"/>
-        </a:xfrm>
-      </p:grpSpPr>
-      <p:sp>
-        <p:nvSpPr>
-          <p:cNvPr id="2" name="Title 1"/>
-          <p:cNvSpPr>
-            <a:spLocks noGrp="1"/>
-          </p:cNvSpPr>
-          <p:nvPr>
-            <p:ph type="title"/>
-          </p:nvPr>
-        </p:nvSpPr>
         <p:spPr>
           <a:xfrm>
             <a:off x="1828800" y="76200"/>
@@ -7733,7 +7441,7 @@
               <a:pPr>
                 <a:defRPr/>
               </a:pPr>
-              <a:t>11</a:t>
+              <a:t>10</a:t>
             </a:fld>
             <a:endParaRPr lang="en-US" dirty="0"/>
           </a:p>
@@ -7752,7 +7460,7 @@
 </p:sld>
 </file>
 
-<file path=ppt/slides/slide12.xml><?xml version="1.0" encoding="utf-8"?>
+<file path=ppt/slides/slide11.xml><?xml version="1.0" encoding="utf-8"?>
 <p:sld xmlns:a="http://schemas.openxmlformats.org/drawingml/2006/main" xmlns:r="http://schemas.openxmlformats.org/officeDocument/2006/relationships" xmlns:p="http://schemas.openxmlformats.org/presentationml/2006/main">
   <p:cSld>
     <p:spTree>
@@ -7859,7 +7567,7 @@
 </p:sld>
 </file>
 
-<file path=ppt/slides/slide13.xml><?xml version="1.0" encoding="utf-8"?>
+<file path=ppt/slides/slide12.xml><?xml version="1.0" encoding="utf-8"?>
 <p:sld xmlns:a="http://schemas.openxmlformats.org/drawingml/2006/main" xmlns:r="http://schemas.openxmlformats.org/officeDocument/2006/relationships" xmlns:p="http://schemas.openxmlformats.org/presentationml/2006/main">
   <p:cSld>
     <p:spTree>
@@ -7998,7 +7706,7 @@
               <a:pPr>
                 <a:defRPr/>
               </a:pPr>
-              <a:t>13</a:t>
+              <a:t>12</a:t>
             </a:fld>
             <a:endParaRPr lang="en-US" dirty="0"/>
           </a:p>
@@ -8488,7 +8196,7 @@
 </p:sld>
 </file>
 
-<file path=ppt/slides/slide14.xml><?xml version="1.0" encoding="utf-8"?>
+<file path=ppt/slides/slide13.xml><?xml version="1.0" encoding="utf-8"?>
 <p:sld xmlns:a="http://schemas.openxmlformats.org/drawingml/2006/main" xmlns:r="http://schemas.openxmlformats.org/officeDocument/2006/relationships" xmlns:p="http://schemas.openxmlformats.org/presentationml/2006/main">
   <p:cSld>
     <p:spTree>
@@ -8586,7 +8294,7 @@
 </p:sld>
 </file>
 
-<file path=ppt/slides/slide15.xml><?xml version="1.0" encoding="utf-8"?>
+<file path=ppt/slides/slide14.xml><?xml version="1.0" encoding="utf-8"?>
 <p:sld xmlns:a="http://schemas.openxmlformats.org/drawingml/2006/main" xmlns:r="http://schemas.openxmlformats.org/officeDocument/2006/relationships" xmlns:p="http://schemas.openxmlformats.org/presentationml/2006/main">
   <p:cSld>
     <p:spTree>
@@ -8646,6 +8354,17 @@
           <a:bodyPr/>
           <a:lstStyle/>
           <a:p>
+            <a:pPr>
+              <a:lnSpc>
+                <a:spcPct val="100000"/>
+              </a:lnSpc>
+              <a:spcBef>
+                <a:spcPts val="300"/>
+              </a:spcBef>
+              <a:spcAft>
+                <a:spcPts val="300"/>
+              </a:spcAft>
+            </a:pPr>
             <a:r>
               <a:rPr lang="en-US" dirty="0"/>
               <a:t>Output cache an entire page </a:t>
@@ -8657,7 +8376,17 @@
             <a:endParaRPr lang="en-US" dirty="0"/>
           </a:p>
           <a:p>
-            <a:pPr lvl="1"/>
+            <a:pPr lvl="1">
+              <a:lnSpc>
+                <a:spcPct val="100000"/>
+              </a:lnSpc>
+              <a:spcBef>
+                <a:spcPts val="300"/>
+              </a:spcBef>
+              <a:spcAft>
+                <a:spcPts val="300"/>
+              </a:spcAft>
+            </a:pPr>
             <a:r>
               <a:rPr lang="en-US" dirty="0" smtClean="0"/>
               <a:t>This "some part" must </a:t>
@@ -8668,7 +8397,17 @@
             </a:r>
           </a:p>
           <a:p>
-            <a:pPr lvl="1"/>
+            <a:pPr lvl="2">
+              <a:lnSpc>
+                <a:spcPct val="100000"/>
+              </a:lnSpc>
+              <a:spcBef>
+                <a:spcPts val="300"/>
+              </a:spcBef>
+              <a:spcAft>
+                <a:spcPts val="300"/>
+              </a:spcAft>
+            </a:pPr>
             <a:r>
               <a:rPr lang="en-US" dirty="0" smtClean="0"/>
               <a:t>Use </a:t>
@@ -8683,7 +8422,17 @@
             </a:r>
           </a:p>
           <a:p>
-            <a:pPr lvl="1"/>
+            <a:pPr lvl="2">
+              <a:lnSpc>
+                <a:spcPct val="100000"/>
+              </a:lnSpc>
+              <a:spcBef>
+                <a:spcPts val="300"/>
+              </a:spcBef>
+              <a:spcAft>
+                <a:spcPts val="300"/>
+              </a:spcAft>
+            </a:pPr>
             <a:r>
               <a:rPr lang="en-US" dirty="0" smtClean="0"/>
               <a:t>Or </a:t>
@@ -8706,8 +8455,100 @@
             </a:r>
             <a:r>
               <a:rPr lang="en-US" dirty="0"/>
-              <a:t>control with associated callback method</a:t>
-            </a:r>
+              <a:t>control with associated callback </a:t>
+            </a:r>
+            <a:r>
+              <a:rPr lang="en-US" dirty="0" smtClean="0"/>
+              <a:t>method</a:t>
+            </a:r>
+          </a:p>
+          <a:p>
+            <a:pPr lvl="2">
+              <a:lnSpc>
+                <a:spcPct val="100000"/>
+              </a:lnSpc>
+              <a:spcBef>
+                <a:spcPts val="300"/>
+              </a:spcBef>
+              <a:spcAft>
+                <a:spcPts val="300"/>
+              </a:spcAft>
+            </a:pPr>
+            <a:endParaRPr lang="en-US" dirty="0"/>
+          </a:p>
+          <a:p>
+            <a:pPr lvl="2">
+              <a:lnSpc>
+                <a:spcPct val="100000"/>
+              </a:lnSpc>
+              <a:spcBef>
+                <a:spcPts val="300"/>
+              </a:spcBef>
+              <a:spcAft>
+                <a:spcPts val="300"/>
+              </a:spcAft>
+            </a:pPr>
+            <a:endParaRPr lang="en-US" dirty="0" smtClean="0"/>
+          </a:p>
+          <a:p>
+            <a:pPr lvl="2">
+              <a:lnSpc>
+                <a:spcPct val="100000"/>
+              </a:lnSpc>
+              <a:spcBef>
+                <a:spcPts val="300"/>
+              </a:spcBef>
+              <a:spcAft>
+                <a:spcPts val="300"/>
+              </a:spcAft>
+            </a:pPr>
+            <a:endParaRPr lang="en-US" dirty="0"/>
+          </a:p>
+          <a:p>
+            <a:pPr lvl="2">
+              <a:lnSpc>
+                <a:spcPct val="100000"/>
+              </a:lnSpc>
+              <a:spcBef>
+                <a:spcPts val="300"/>
+              </a:spcBef>
+              <a:spcAft>
+                <a:spcPts val="300"/>
+              </a:spcAft>
+            </a:pPr>
+            <a:endParaRPr lang="en-US" dirty="0" smtClean="0"/>
+          </a:p>
+          <a:p>
+            <a:pPr lvl="2">
+              <a:lnSpc>
+                <a:spcPct val="100000"/>
+              </a:lnSpc>
+              <a:spcBef>
+                <a:spcPts val="300"/>
+              </a:spcBef>
+              <a:spcAft>
+                <a:spcPts val="300"/>
+              </a:spcAft>
+            </a:pPr>
+            <a:endParaRPr lang="en-US" dirty="0"/>
+          </a:p>
+          <a:p>
+            <a:pPr>
+              <a:lnSpc>
+                <a:spcPct val="100000"/>
+              </a:lnSpc>
+              <a:spcBef>
+                <a:spcPts val="300"/>
+              </a:spcBef>
+              <a:spcAft>
+                <a:spcPts val="300"/>
+              </a:spcAft>
+            </a:pPr>
+            <a:r>
+              <a:rPr lang="en-US" dirty="0" smtClean="0"/>
+              <a:t>Not supported in ASP.NET MVC</a:t>
+            </a:r>
+            <a:endParaRPr lang="en-US" dirty="0"/>
           </a:p>
         </p:txBody>
       </p:sp>
@@ -8727,8 +8568,8 @@
         </p:blipFill>
         <p:spPr>
           <a:xfrm>
-            <a:off x="754856" y="3886200"/>
-            <a:ext cx="7634288" cy="2599430"/>
+            <a:off x="990600" y="3401347"/>
+            <a:ext cx="7242572" cy="2466053"/>
           </a:xfrm>
           <a:prstGeom prst="rect">
             <a:avLst/>
@@ -8758,7 +8599,7 @@
               <a:pPr>
                 <a:defRPr/>
               </a:pPr>
-              <a:t>15</a:t>
+              <a:t>14</a:t>
             </a:fld>
             <a:endParaRPr lang="en-US" dirty="0"/>
           </a:p>
@@ -8777,7 +8618,7 @@
 </p:sld>
 </file>
 
-<file path=ppt/slides/slide16.xml><?xml version="1.0" encoding="utf-8"?>
+<file path=ppt/slides/slide15.xml><?xml version="1.0" encoding="utf-8"?>
 <p:sld xmlns:a="http://schemas.openxmlformats.org/drawingml/2006/main" xmlns:r="http://schemas.openxmlformats.org/officeDocument/2006/relationships" xmlns:p="http://schemas.openxmlformats.org/presentationml/2006/main">
   <p:cSld>
     <p:spTree>
@@ -8901,7 +8742,7 @@
               <a:pPr>
                 <a:defRPr/>
               </a:pPr>
-              <a:t>16</a:t>
+              <a:t>15</a:t>
             </a:fld>
             <a:endParaRPr lang="en-US" dirty="0"/>
           </a:p>
@@ -9395,7 +9236,7 @@
 </p:sld>
 </file>
 
-<file path=ppt/slides/slide17.xml><?xml version="1.0" encoding="utf-8"?>
+<file path=ppt/slides/slide16.xml><?xml version="1.0" encoding="utf-8"?>
 <p:sld xmlns:a="http://schemas.openxmlformats.org/drawingml/2006/main" xmlns:r="http://schemas.openxmlformats.org/officeDocument/2006/relationships" xmlns:p="http://schemas.openxmlformats.org/presentationml/2006/main">
   <p:cSld>
     <p:spTree>
@@ -9424,8 +9265,8 @@
         </p:nvSpPr>
         <p:spPr>
           <a:xfrm>
-            <a:off x="609600" y="5257800"/>
-            <a:ext cx="7924800" cy="685800"/>
+            <a:off x="609600" y="4800600"/>
+            <a:ext cx="7924800" cy="1219200"/>
           </a:xfrm>
         </p:spPr>
         <p:txBody>
@@ -9434,7 +9275,11 @@
           <a:p>
             <a:r>
               <a:rPr lang="en-US" dirty="0" smtClean="0"/>
-              <a:t>Post-Cache Substitution Demo</a:t>
+              <a:t>Post-Cache Substitution </a:t>
+            </a:r>
+            <a:r>
+              <a:rPr lang="en-US" dirty="0" smtClean="0"/>
+              <a:t>Demo</a:t>
             </a:r>
             <a:endParaRPr lang="en-US" dirty="0"/>
           </a:p>
@@ -9463,8 +9308,8 @@
         </p:blipFill>
         <p:spPr bwMode="auto">
           <a:xfrm>
-            <a:off x="2338614" y="914400"/>
-            <a:ext cx="4466771" cy="3702719"/>
+            <a:off x="2401509" y="838200"/>
+            <a:ext cx="4340981" cy="3598445"/>
           </a:xfrm>
           <a:prstGeom prst="ellipse">
             <a:avLst/>
@@ -9508,6 +9353,207 @@
     <p:extLst>
       <p:ext uri="{BB962C8B-B14F-4D97-AF65-F5344CB8AC3E}">
         <p14:creationId xmlns:p14="http://schemas.microsoft.com/office/powerpoint/2010/main" val="452825474"/>
+      </p:ext>
+    </p:extLst>
+  </p:cSld>
+  <p:clrMapOvr>
+    <a:masterClrMapping/>
+  </p:clrMapOvr>
+</p:sld>
+</file>
+
+<file path=ppt/slides/slide17.xml><?xml version="1.0" encoding="utf-8"?>
+<p:sld xmlns:a="http://schemas.openxmlformats.org/drawingml/2006/main" xmlns:r="http://schemas.openxmlformats.org/officeDocument/2006/relationships" xmlns:p="http://schemas.openxmlformats.org/presentationml/2006/main">
+  <p:cSld>
+    <p:spTree>
+      <p:nvGrpSpPr>
+        <p:cNvPr id="1" name=""/>
+        <p:cNvGrpSpPr/>
+        <p:nvPr/>
+      </p:nvGrpSpPr>
+      <p:grpSpPr>
+        <a:xfrm>
+          <a:off x="0" y="0"/>
+          <a:ext cx="0" cy="0"/>
+          <a:chOff x="0" y="0"/>
+          <a:chExt cx="0" cy="0"/>
+        </a:xfrm>
+      </p:grpSpPr>
+      <p:sp>
+        <p:nvSpPr>
+          <p:cNvPr id="4" name="Title 3"/>
+          <p:cNvSpPr>
+            <a:spLocks noGrp="1"/>
+          </p:cNvSpPr>
+          <p:nvPr>
+            <p:ph type="title"/>
+          </p:nvPr>
+        </p:nvSpPr>
+        <p:spPr/>
+        <p:txBody>
+          <a:bodyPr/>
+          <a:lstStyle/>
+          <a:p>
+            <a:r>
+              <a:rPr lang="en-US" dirty="0" smtClean="0"/>
+              <a:t>Page Fragment Caching</a:t>
+            </a:r>
+            <a:endParaRPr lang="en-US" dirty="0"/>
+          </a:p>
+        </p:txBody>
+      </p:sp>
+      <p:sp>
+        <p:nvSpPr>
+          <p:cNvPr id="5" name="Content Placeholder 4"/>
+          <p:cNvSpPr>
+            <a:spLocks noGrp="1"/>
+          </p:cNvSpPr>
+          <p:nvPr>
+            <p:ph idx="1"/>
+          </p:nvPr>
+        </p:nvSpPr>
+        <p:spPr/>
+        <p:txBody>
+          <a:bodyPr/>
+          <a:lstStyle/>
+          <a:p>
+            <a:r>
+              <a:rPr lang="en-US" dirty="0" smtClean="0"/>
+              <a:t>For </a:t>
+            </a:r>
+            <a:r>
+              <a:rPr lang="en-US" dirty="0"/>
+              <a:t>portions of a page to remain static</a:t>
+            </a:r>
+          </a:p>
+          <a:p>
+            <a:pPr lvl="1"/>
+            <a:r>
+              <a:rPr lang="en-US" dirty="0" smtClean="0"/>
+              <a:t>Menus</a:t>
+            </a:r>
+            <a:r>
+              <a:rPr lang="en-US" dirty="0"/>
+              <a:t>, navigation bars, footers, headers, etc</a:t>
+            </a:r>
+            <a:r>
+              <a:rPr lang="en-US" dirty="0" smtClean="0"/>
+              <a:t>.</a:t>
+            </a:r>
+          </a:p>
+          <a:p>
+            <a:pPr lvl="1"/>
+            <a:r>
+              <a:rPr lang="en-US" dirty="0" smtClean="0"/>
+              <a:t>Cache only some part of the page</a:t>
+            </a:r>
+            <a:endParaRPr lang="en-US" dirty="0" smtClean="0"/>
+          </a:p>
+          <a:p>
+            <a:r>
+              <a:rPr lang="en-US" dirty="0" err="1" smtClean="0">
+                <a:solidFill>
+                  <a:schemeClr val="accent6">
+                    <a:lumMod val="20000"/>
+                    <a:lumOff val="80000"/>
+                  </a:schemeClr>
+                </a:solidFill>
+              </a:rPr>
+              <a:t>WebForms</a:t>
+            </a:r>
+            <a:r>
+              <a:rPr lang="en-US" dirty="0" smtClean="0"/>
+              <a:t>: To </a:t>
+            </a:r>
+            <a:r>
+              <a:rPr lang="en-US" dirty="0" smtClean="0"/>
+              <a:t>cache a page fragment, encapsulate in .</a:t>
+            </a:r>
+            <a:r>
+              <a:rPr lang="en-US" dirty="0" err="1" smtClean="0"/>
+              <a:t>ascx</a:t>
+            </a:r>
+            <a:r>
+              <a:rPr lang="en-US" dirty="0" smtClean="0"/>
+              <a:t> (user control) </a:t>
+            </a:r>
+            <a:r>
+              <a:rPr lang="en-US" dirty="0" smtClean="0"/>
+              <a:t>and mark with </a:t>
+            </a:r>
+            <a:r>
+              <a:rPr lang="en-US" dirty="0" err="1" smtClean="0"/>
+              <a:t>OutputCache</a:t>
+            </a:r>
+            <a:r>
+              <a:rPr lang="en-US" dirty="0" smtClean="0"/>
+              <a:t> directive</a:t>
+            </a:r>
+          </a:p>
+          <a:p>
+            <a:pPr lvl="1"/>
+            <a:r>
+              <a:rPr lang="en-US" dirty="0"/>
+              <a:t>Shared property indicates whether one instance is cached to share across pages</a:t>
+            </a:r>
+          </a:p>
+          <a:p>
+            <a:pPr lvl="1"/>
+            <a:r>
+              <a:rPr lang="en-US" dirty="0" err="1" smtClean="0"/>
+              <a:t>VaryByControl</a:t>
+            </a:r>
+            <a:r>
+              <a:rPr lang="en-US" dirty="0" smtClean="0"/>
+              <a:t> </a:t>
+            </a:r>
+            <a:r>
+              <a:rPr lang="en-US" dirty="0"/>
+              <a:t>indicates a control value influences unique cache entries</a:t>
+            </a:r>
+          </a:p>
+          <a:p>
+            <a:endParaRPr lang="en-US" b="0" dirty="0" smtClean="0"/>
+          </a:p>
+          <a:p>
+            <a:pPr lvl="1"/>
+            <a:endParaRPr lang="en-US" dirty="0"/>
+          </a:p>
+        </p:txBody>
+      </p:sp>
+      <p:sp>
+        <p:nvSpPr>
+          <p:cNvPr id="2" name="Slide Number Placeholder 1"/>
+          <p:cNvSpPr>
+            <a:spLocks noGrp="1"/>
+          </p:cNvSpPr>
+          <p:nvPr>
+            <p:ph type="sldNum" sz="quarter" idx="10"/>
+          </p:nvPr>
+        </p:nvSpPr>
+        <p:spPr/>
+        <p:txBody>
+          <a:bodyPr/>
+          <a:lstStyle/>
+          <a:p>
+            <a:pPr>
+              <a:defRPr/>
+            </a:pPr>
+            <a:fld id="{58452FF4-89E3-4D1B-9927-2DBDC00E58D7}" type="slidenum">
+              <a:rPr lang="en-US" smtClean="0"/>
+              <a:pPr>
+                <a:defRPr/>
+              </a:pPr>
+              <a:t>17</a:t>
+            </a:fld>
+            <a:endParaRPr lang="en-US" dirty="0"/>
+          </a:p>
+        </p:txBody>
+      </p:sp>
+    </p:spTree>
+    <p:extLst>
+      <p:ext uri="{BB962C8B-B14F-4D97-AF65-F5344CB8AC3E}">
+        <p14:creationId xmlns:p14="http://schemas.microsoft.com/office/powerpoint/2010/main" val="4029341006"/>
       </p:ext>
     </p:extLst>
   </p:cSld>
@@ -9551,7 +9597,11 @@
           <a:p>
             <a:r>
               <a:rPr lang="en-US" dirty="0" smtClean="0"/>
-              <a:t>Page Fragment Caching</a:t>
+              <a:t>Page Fragment </a:t>
+            </a:r>
+            <a:r>
+              <a:rPr lang="en-US" dirty="0" smtClean="0"/>
+              <a:t>Caching MVC</a:t>
             </a:r>
             <a:endParaRPr lang="en-US" dirty="0"/>
           </a:p>
@@ -9567,76 +9617,127 @@
             <p:ph idx="1"/>
           </p:nvPr>
         </p:nvSpPr>
-        <p:spPr/>
+        <p:spPr>
+          <a:xfrm>
+            <a:off x="228600" y="838200"/>
+            <a:ext cx="8686800" cy="5791200"/>
+          </a:xfrm>
+        </p:spPr>
         <p:txBody>
           <a:bodyPr/>
           <a:lstStyle/>
           <a:p>
             <a:r>
-              <a:rPr lang="en-US" dirty="0"/>
-              <a:t>Common for portions of a page to remain static</a:t>
+              <a:rPr lang="en-US" dirty="0" smtClean="0">
+                <a:solidFill>
+                  <a:schemeClr val="accent6">
+                    <a:lumMod val="20000"/>
+                    <a:lumOff val="80000"/>
+                  </a:schemeClr>
+                </a:solidFill>
+              </a:rPr>
+              <a:t>MVC</a:t>
+            </a:r>
+            <a:r>
+              <a:rPr lang="en-US" dirty="0" smtClean="0"/>
+              <a:t>: To </a:t>
+            </a:r>
+            <a:r>
+              <a:rPr lang="en-US" dirty="0" smtClean="0"/>
+              <a:t>cache a page </a:t>
+            </a:r>
+            <a:r>
+              <a:rPr lang="en-US" dirty="0" smtClean="0"/>
+              <a:t>fragment</a:t>
             </a:r>
           </a:p>
           <a:p>
             <a:pPr lvl="1"/>
             <a:r>
               <a:rPr lang="en-US" dirty="0" smtClean="0"/>
-              <a:t>Menus</a:t>
-            </a:r>
-            <a:r>
-              <a:rPr lang="en-US" dirty="0"/>
-              <a:t>, navigation bars, footers, headers, etc</a:t>
-            </a:r>
-            <a:r>
-              <a:rPr lang="en-US" dirty="0" smtClean="0"/>
-              <a:t>.</a:t>
-            </a:r>
-          </a:p>
-          <a:p>
-            <a:r>
-              <a:rPr lang="en-US" dirty="0" smtClean="0"/>
-              <a:t>To cache a page fragment, encapsulate in .</a:t>
-            </a:r>
-            <a:r>
-              <a:rPr lang="en-US" dirty="0" err="1" smtClean="0"/>
-              <a:t>ascx</a:t>
-            </a:r>
-            <a:r>
-              <a:rPr lang="en-US" dirty="0" smtClean="0"/>
-              <a:t> and mark with </a:t>
-            </a:r>
-            <a:r>
-              <a:rPr lang="en-US" dirty="0" err="1" smtClean="0"/>
+              <a:t>1. E</a:t>
+            </a:r>
+            <a:r>
+              <a:rPr lang="en-US" dirty="0" smtClean="0"/>
+              <a:t>ncapsulate </a:t>
+            </a:r>
+            <a:r>
+              <a:rPr lang="en-US" dirty="0" smtClean="0"/>
+              <a:t>in </a:t>
+            </a:r>
+            <a:r>
+              <a:rPr lang="en-US" dirty="0" smtClean="0"/>
+              <a:t>child action with </a:t>
+            </a:r>
+            <a:r>
+              <a:rPr lang="en-US" dirty="0">
+                <a:solidFill>
+                  <a:schemeClr val="accent6">
+                    <a:lumMod val="20000"/>
+                    <a:lumOff val="80000"/>
+                  </a:schemeClr>
+                </a:solidFill>
+              </a:rPr>
+              <a:t>[</a:t>
+            </a:r>
+            <a:r>
+              <a:rPr lang="en-US" dirty="0" err="1">
+                <a:solidFill>
+                  <a:schemeClr val="accent6">
+                    <a:lumMod val="20000"/>
+                    <a:lumOff val="80000"/>
+                  </a:schemeClr>
+                </a:solidFill>
+              </a:rPr>
               <a:t>OutputCache</a:t>
             </a:r>
             <a:r>
-              <a:rPr lang="en-US" dirty="0" smtClean="0"/>
-              <a:t> directive</a:t>
-            </a:r>
+              <a:rPr lang="en-US" dirty="0" smtClean="0">
+                <a:solidFill>
+                  <a:schemeClr val="accent6">
+                    <a:lumMod val="20000"/>
+                    <a:lumOff val="80000"/>
+                  </a:schemeClr>
+                </a:solidFill>
+              </a:rPr>
+              <a:t>] </a:t>
+            </a:r>
+            <a:r>
+              <a:rPr lang="en-US" dirty="0"/>
+              <a:t>and return partial view:</a:t>
+            </a:r>
+            <a:endParaRPr lang="en-US" dirty="0"/>
+          </a:p>
+          <a:p>
+            <a:pPr lvl="1">
+              <a:spcBef>
+                <a:spcPts val="1200"/>
+              </a:spcBef>
+            </a:pPr>
+            <a:endParaRPr lang="en-US" dirty="0" smtClean="0"/>
+          </a:p>
+          <a:p>
+            <a:pPr lvl="1">
+              <a:spcBef>
+                <a:spcPts val="1200"/>
+              </a:spcBef>
+            </a:pPr>
+            <a:endParaRPr lang="en-US" dirty="0"/>
+          </a:p>
+          <a:p>
+            <a:pPr lvl="1">
+              <a:spcBef>
+                <a:spcPts val="1200"/>
+              </a:spcBef>
+            </a:pPr>
+            <a:endParaRPr lang="en-US" dirty="0" smtClean="0"/>
           </a:p>
           <a:p>
             <a:pPr lvl="1"/>
             <a:r>
-              <a:rPr lang="en-US" dirty="0"/>
-              <a:t>Shared property indicates whether one instance is cached to share across pages</a:t>
-            </a:r>
-          </a:p>
-          <a:p>
-            <a:pPr lvl="1"/>
-            <a:r>
-              <a:rPr lang="en-US" dirty="0" err="1" smtClean="0"/>
-              <a:t>VaryByControl</a:t>
-            </a:r>
-            <a:r>
-              <a:rPr lang="en-US" dirty="0" smtClean="0"/>
-              <a:t> </a:t>
-            </a:r>
-            <a:r>
-              <a:rPr lang="en-US" dirty="0"/>
-              <a:t>indicates a control value influences unique cache entries</a:t>
-            </a:r>
-          </a:p>
-          <a:p>
+              <a:rPr lang="en-US" dirty="0" smtClean="0"/>
+              <a:t>2. Call the child action from the view</a:t>
+            </a:r>
             <a:endParaRPr lang="en-US" b="0" dirty="0" smtClean="0"/>
           </a:p>
           <a:p>
@@ -9674,10 +9775,664 @@
           </a:p>
         </p:txBody>
       </p:sp>
+      <p:sp>
+        <p:nvSpPr>
+          <p:cNvPr id="6" name="Text Placeholder 6"/>
+          <p:cNvSpPr txBox="1">
+            <a:spLocks/>
+          </p:cNvSpPr>
+          <p:nvPr/>
+        </p:nvSpPr>
+        <p:spPr>
+          <a:xfrm>
+            <a:off x="790575" y="2633008"/>
+            <a:ext cx="7562850" cy="1938992"/>
+          </a:xfrm>
+          <a:prstGeom prst="rect">
+            <a:avLst/>
+          </a:prstGeom>
+          <a:solidFill>
+            <a:schemeClr val="accent5">
+              <a:lumMod val="40000"/>
+              <a:lumOff val="60000"/>
+              <a:alpha val="15000"/>
+            </a:schemeClr>
+          </a:solidFill>
+          <a:ln w="12700">
+            <a:solidFill>
+              <a:schemeClr val="accent5">
+                <a:lumMod val="60000"/>
+                <a:lumOff val="40000"/>
+              </a:schemeClr>
+            </a:solidFill>
+          </a:ln>
+        </p:spPr>
+        <p:txBody>
+          <a:bodyPr wrap="square">
+            <a:spAutoFit/>
+          </a:bodyPr>
+          <a:lstStyle>
+            <a:lvl1pPr marL="0" indent="0" algn="l" rtl="0" eaLnBrk="0" fontAlgn="base" hangingPunct="0">
+              <a:spcBef>
+                <a:spcPts val="0"/>
+              </a:spcBef>
+              <a:spcAft>
+                <a:spcPct val="0"/>
+              </a:spcAft>
+              <a:buClr>
+                <a:schemeClr val="accent5">
+                  <a:lumMod val="40000"/>
+                  <a:lumOff val="60000"/>
+                </a:schemeClr>
+              </a:buClr>
+              <a:buSzPct val="70000"/>
+              <a:buFont typeface="Wingdings 2" pitchFamily="18" charset="2"/>
+              <a:buNone/>
+              <a:defRPr lang="en-US" sz="2000" b="1" kern="1200" smtClean="0">
+                <a:solidFill>
+                  <a:srgbClr val="8CF4F2"/>
+                </a:solidFill>
+                <a:effectLst>
+                  <a:outerShdw blurRad="38100" dist="38100" dir="2700000" algn="tl">
+                    <a:srgbClr val="000000">
+                      <a:alpha val="43137"/>
+                    </a:srgbClr>
+                  </a:outerShdw>
+                </a:effectLst>
+                <a:latin typeface="Consolas" pitchFamily="49" charset="0"/>
+                <a:ea typeface="+mn-ea"/>
+                <a:cs typeface="Consolas" pitchFamily="49" charset="0"/>
+              </a:defRPr>
+            </a:lvl1pPr>
+            <a:lvl2pPr marL="630238" indent="-273050" algn="l" rtl="0" eaLnBrk="0" fontAlgn="base" hangingPunct="0">
+              <a:spcBef>
+                <a:spcPct val="20000"/>
+              </a:spcBef>
+              <a:spcAft>
+                <a:spcPct val="0"/>
+              </a:spcAft>
+              <a:buClr>
+                <a:schemeClr val="accent2">
+                  <a:lumMod val="60000"/>
+                  <a:lumOff val="40000"/>
+                </a:schemeClr>
+              </a:buClr>
+              <a:buFont typeface="Wingdings 2" pitchFamily="18" charset="2"/>
+              <a:buChar char=""/>
+              <a:defRPr sz="3000" b="1" kern="1200">
+                <a:solidFill>
+                  <a:schemeClr val="tx1">
+                    <a:lumMod val="20000"/>
+                    <a:lumOff val="80000"/>
+                  </a:schemeClr>
+                </a:solidFill>
+                <a:effectLst>
+                  <a:outerShdw blurRad="38100" dist="38100" dir="2700000" algn="tl">
+                    <a:srgbClr val="000000">
+                      <a:alpha val="43137"/>
+                    </a:srgbClr>
+                  </a:outerShdw>
+                </a:effectLst>
+                <a:latin typeface="+mn-lt"/>
+                <a:ea typeface="+mn-ea"/>
+                <a:cs typeface="+mn-cs"/>
+              </a:defRPr>
+            </a:lvl2pPr>
+            <a:lvl3pPr marL="922338" indent="-273050" algn="l" rtl="0" eaLnBrk="0" fontAlgn="base" hangingPunct="0">
+              <a:spcBef>
+                <a:spcPct val="20000"/>
+              </a:spcBef>
+              <a:spcAft>
+                <a:spcPct val="0"/>
+              </a:spcAft>
+              <a:buClr>
+                <a:schemeClr val="tx1">
+                  <a:lumMod val="50000"/>
+                </a:schemeClr>
+              </a:buClr>
+              <a:buFont typeface="Wingdings 2" pitchFamily="18" charset="2"/>
+              <a:buChar char=""/>
+              <a:defRPr sz="2800" b="1" kern="1200">
+                <a:solidFill>
+                  <a:schemeClr val="tx1">
+                    <a:lumMod val="20000"/>
+                    <a:lumOff val="80000"/>
+                  </a:schemeClr>
+                </a:solidFill>
+                <a:effectLst>
+                  <a:outerShdw blurRad="38100" dist="38100" dir="2700000" algn="tl">
+                    <a:srgbClr val="000000">
+                      <a:alpha val="43137"/>
+                    </a:srgbClr>
+                  </a:outerShdw>
+                </a:effectLst>
+                <a:latin typeface="+mn-lt"/>
+                <a:ea typeface="+mn-ea"/>
+                <a:cs typeface="+mn-cs"/>
+              </a:defRPr>
+            </a:lvl3pPr>
+            <a:lvl4pPr marL="1187450" indent="-228600" algn="l" rtl="0" eaLnBrk="0" fontAlgn="base" hangingPunct="0">
+              <a:spcBef>
+                <a:spcPct val="20000"/>
+              </a:spcBef>
+              <a:spcAft>
+                <a:spcPct val="0"/>
+              </a:spcAft>
+              <a:buClr>
+                <a:srgbClr val="F8BD52"/>
+              </a:buClr>
+              <a:buFont typeface="Wingdings 2" pitchFamily="18" charset="2"/>
+              <a:buChar char=""/>
+              <a:defRPr sz="2600" b="1" kern="1200">
+                <a:solidFill>
+                  <a:schemeClr val="tx1">
+                    <a:lumMod val="20000"/>
+                    <a:lumOff val="80000"/>
+                  </a:schemeClr>
+                </a:solidFill>
+                <a:effectLst>
+                  <a:outerShdw blurRad="38100" dist="38100" dir="2700000" algn="tl">
+                    <a:srgbClr val="000000">
+                      <a:alpha val="43137"/>
+                    </a:srgbClr>
+                  </a:outerShdw>
+                </a:effectLst>
+                <a:latin typeface="+mn-lt"/>
+                <a:ea typeface="+mn-ea"/>
+                <a:cs typeface="+mn-cs"/>
+              </a:defRPr>
+            </a:lvl4pPr>
+            <a:lvl5pPr marL="1425575" indent="-228600" algn="l" rtl="0" eaLnBrk="0" fontAlgn="base" hangingPunct="0">
+              <a:spcBef>
+                <a:spcPct val="20000"/>
+              </a:spcBef>
+              <a:spcAft>
+                <a:spcPct val="0"/>
+              </a:spcAft>
+              <a:buClr>
+                <a:srgbClr val="46A6BD"/>
+              </a:buClr>
+              <a:buFont typeface="Wingdings 2" pitchFamily="18" charset="2"/>
+              <a:buChar char=""/>
+              <a:defRPr sz="2400" b="1" kern="1200">
+                <a:solidFill>
+                  <a:schemeClr val="tx1">
+                    <a:lumMod val="20000"/>
+                    <a:lumOff val="80000"/>
+                  </a:schemeClr>
+                </a:solidFill>
+                <a:effectLst>
+                  <a:outerShdw blurRad="38100" dist="38100" dir="2700000" algn="tl">
+                    <a:srgbClr val="000000">
+                      <a:alpha val="43137"/>
+                    </a:srgbClr>
+                  </a:outerShdw>
+                </a:effectLst>
+                <a:latin typeface="+mn-lt"/>
+                <a:ea typeface="+mn-ea"/>
+                <a:cs typeface="+mn-cs"/>
+              </a:defRPr>
+            </a:lvl5pPr>
+            <a:lvl6pPr marL="1673352" indent="-228600" algn="l" rtl="0" eaLnBrk="1" latinLnBrk="0" hangingPunct="1">
+              <a:spcBef>
+                <a:spcPct val="20000"/>
+              </a:spcBef>
+              <a:buClr>
+                <a:schemeClr val="accent6"/>
+              </a:buClr>
+              <a:buFont typeface="Wingdings 2"/>
+              <a:buChar char=""/>
+              <a:defRPr sz="1800" kern="1200">
+                <a:solidFill>
+                  <a:schemeClr val="tx1"/>
+                </a:solidFill>
+                <a:latin typeface="+mn-lt"/>
+                <a:ea typeface="+mn-ea"/>
+                <a:cs typeface="+mn-cs"/>
+              </a:defRPr>
+            </a:lvl6pPr>
+            <a:lvl7pPr marL="1911096" indent="-228600" algn="l" rtl="0" eaLnBrk="1" latinLnBrk="0" hangingPunct="1">
+              <a:spcBef>
+                <a:spcPct val="20000"/>
+              </a:spcBef>
+              <a:buClr>
+                <a:schemeClr val="tx2"/>
+              </a:buClr>
+              <a:buFont typeface="Wingdings 2"/>
+              <a:buChar char=""/>
+              <a:defRPr sz="1600" kern="1200">
+                <a:solidFill>
+                  <a:schemeClr val="tx1"/>
+                </a:solidFill>
+                <a:latin typeface="+mn-lt"/>
+                <a:ea typeface="+mn-ea"/>
+                <a:cs typeface="+mn-cs"/>
+              </a:defRPr>
+            </a:lvl7pPr>
+            <a:lvl8pPr marL="2121408" indent="-182880" algn="l" rtl="0" eaLnBrk="1" latinLnBrk="0" hangingPunct="1">
+              <a:spcBef>
+                <a:spcPct val="20000"/>
+              </a:spcBef>
+              <a:buClr>
+                <a:schemeClr val="tx2"/>
+              </a:buClr>
+              <a:buFont typeface="Wingdings 2"/>
+              <a:buChar char=""/>
+              <a:defRPr sz="1400" kern="1200">
+                <a:solidFill>
+                  <a:schemeClr val="tx1"/>
+                </a:solidFill>
+                <a:latin typeface="+mn-lt"/>
+                <a:ea typeface="+mn-ea"/>
+                <a:cs typeface="+mn-cs"/>
+              </a:defRPr>
+            </a:lvl8pPr>
+            <a:lvl9pPr marL="2322576" indent="-182880" algn="l" rtl="0" eaLnBrk="1" latinLnBrk="0" hangingPunct="1">
+              <a:spcBef>
+                <a:spcPct val="20000"/>
+              </a:spcBef>
+              <a:buClr>
+                <a:schemeClr val="tx2"/>
+              </a:buClr>
+              <a:buFont typeface="Wingdings 2"/>
+              <a:buChar char=""/>
+              <a:defRPr sz="1400" kern="1200">
+                <a:solidFill>
+                  <a:schemeClr val="tx1"/>
+                </a:solidFill>
+                <a:latin typeface="+mn-lt"/>
+                <a:ea typeface="+mn-ea"/>
+                <a:cs typeface="+mn-cs"/>
+              </a:defRPr>
+            </a:lvl9pPr>
+          </a:lstStyle>
+          <a:p>
+            <a:r>
+              <a:rPr lang="en-US" dirty="0"/>
+              <a:t>[</a:t>
+            </a:r>
+            <a:r>
+              <a:rPr lang="en-US" dirty="0" err="1"/>
+              <a:t>OutputCache</a:t>
+            </a:r>
+            <a:r>
+              <a:rPr lang="en-US" dirty="0"/>
+              <a:t>(Duration = 10, </a:t>
+            </a:r>
+            <a:r>
+              <a:rPr lang="en-US" dirty="0" err="1"/>
+              <a:t>VaryByParam</a:t>
+            </a:r>
+            <a:r>
+              <a:rPr lang="en-US" dirty="0"/>
+              <a:t> = "none")]</a:t>
+            </a:r>
+          </a:p>
+          <a:p>
+            <a:r>
+              <a:rPr lang="en-US" dirty="0"/>
+              <a:t>[</a:t>
+            </a:r>
+            <a:r>
+              <a:rPr lang="en-US" dirty="0" err="1"/>
+              <a:t>ChildActionOnly</a:t>
+            </a:r>
+            <a:r>
+              <a:rPr lang="en-US" dirty="0"/>
+              <a:t>]</a:t>
+            </a:r>
+          </a:p>
+          <a:p>
+            <a:r>
+              <a:rPr lang="en-US" dirty="0"/>
+              <a:t>public </a:t>
+            </a:r>
+            <a:r>
+              <a:rPr lang="en-US" dirty="0" err="1"/>
+              <a:t>ActionResult</a:t>
+            </a:r>
+            <a:r>
+              <a:rPr lang="en-US" dirty="0"/>
+              <a:t> </a:t>
+            </a:r>
+            <a:r>
+              <a:rPr lang="en-US" dirty="0" err="1"/>
+              <a:t>ChildAction</a:t>
+            </a:r>
+            <a:r>
+              <a:rPr lang="en-US" dirty="0"/>
+              <a:t>()</a:t>
+            </a:r>
+          </a:p>
+          <a:p>
+            <a:r>
+              <a:rPr lang="en-US" dirty="0"/>
+              <a:t>{</a:t>
+            </a:r>
+          </a:p>
+          <a:p>
+            <a:r>
+              <a:rPr lang="en-US" dirty="0"/>
+              <a:t>    return </a:t>
+            </a:r>
+            <a:r>
+              <a:rPr lang="en-US" dirty="0" err="1"/>
+              <a:t>this.PartialView</a:t>
+            </a:r>
+            <a:r>
+              <a:rPr lang="en-US" dirty="0"/>
+              <a:t>();</a:t>
+            </a:r>
+          </a:p>
+          <a:p>
+            <a:r>
+              <a:rPr lang="en-US" dirty="0"/>
+              <a:t>}</a:t>
+            </a:r>
+            <a:endParaRPr lang="en-US" dirty="0"/>
+          </a:p>
+        </p:txBody>
+      </p:sp>
+      <p:sp>
+        <p:nvSpPr>
+          <p:cNvPr id="7" name="Text Placeholder 6"/>
+          <p:cNvSpPr txBox="1">
+            <a:spLocks/>
+          </p:cNvSpPr>
+          <p:nvPr/>
+        </p:nvSpPr>
+        <p:spPr>
+          <a:xfrm>
+            <a:off x="790575" y="5410200"/>
+            <a:ext cx="7562850" cy="400110"/>
+          </a:xfrm>
+          <a:prstGeom prst="rect">
+            <a:avLst/>
+          </a:prstGeom>
+          <a:solidFill>
+            <a:schemeClr val="accent5">
+              <a:lumMod val="40000"/>
+              <a:lumOff val="60000"/>
+              <a:alpha val="15000"/>
+            </a:schemeClr>
+          </a:solidFill>
+          <a:ln w="12700">
+            <a:solidFill>
+              <a:schemeClr val="accent5">
+                <a:lumMod val="60000"/>
+                <a:lumOff val="40000"/>
+              </a:schemeClr>
+            </a:solidFill>
+          </a:ln>
+        </p:spPr>
+        <p:txBody>
+          <a:bodyPr wrap="square">
+            <a:spAutoFit/>
+          </a:bodyPr>
+          <a:lstStyle>
+            <a:lvl1pPr marL="0" indent="0" algn="l" rtl="0" eaLnBrk="0" fontAlgn="base" hangingPunct="0">
+              <a:spcBef>
+                <a:spcPts val="0"/>
+              </a:spcBef>
+              <a:spcAft>
+                <a:spcPct val="0"/>
+              </a:spcAft>
+              <a:buClr>
+                <a:schemeClr val="accent5">
+                  <a:lumMod val="40000"/>
+                  <a:lumOff val="60000"/>
+                </a:schemeClr>
+              </a:buClr>
+              <a:buSzPct val="70000"/>
+              <a:buFont typeface="Wingdings 2" pitchFamily="18" charset="2"/>
+              <a:buNone/>
+              <a:defRPr lang="en-US" sz="2000" b="1" kern="1200" smtClean="0">
+                <a:solidFill>
+                  <a:srgbClr val="8CF4F2"/>
+                </a:solidFill>
+                <a:effectLst>
+                  <a:outerShdw blurRad="38100" dist="38100" dir="2700000" algn="tl">
+                    <a:srgbClr val="000000">
+                      <a:alpha val="43137"/>
+                    </a:srgbClr>
+                  </a:outerShdw>
+                </a:effectLst>
+                <a:latin typeface="Consolas" pitchFamily="49" charset="0"/>
+                <a:ea typeface="+mn-ea"/>
+                <a:cs typeface="Consolas" pitchFamily="49" charset="0"/>
+              </a:defRPr>
+            </a:lvl1pPr>
+            <a:lvl2pPr marL="630238" indent="-273050" algn="l" rtl="0" eaLnBrk="0" fontAlgn="base" hangingPunct="0">
+              <a:spcBef>
+                <a:spcPct val="20000"/>
+              </a:spcBef>
+              <a:spcAft>
+                <a:spcPct val="0"/>
+              </a:spcAft>
+              <a:buClr>
+                <a:schemeClr val="accent2">
+                  <a:lumMod val="60000"/>
+                  <a:lumOff val="40000"/>
+                </a:schemeClr>
+              </a:buClr>
+              <a:buFont typeface="Wingdings 2" pitchFamily="18" charset="2"/>
+              <a:buChar char=""/>
+              <a:defRPr sz="3000" b="1" kern="1200">
+                <a:solidFill>
+                  <a:schemeClr val="tx1">
+                    <a:lumMod val="20000"/>
+                    <a:lumOff val="80000"/>
+                  </a:schemeClr>
+                </a:solidFill>
+                <a:effectLst>
+                  <a:outerShdw blurRad="38100" dist="38100" dir="2700000" algn="tl">
+                    <a:srgbClr val="000000">
+                      <a:alpha val="43137"/>
+                    </a:srgbClr>
+                  </a:outerShdw>
+                </a:effectLst>
+                <a:latin typeface="+mn-lt"/>
+                <a:ea typeface="+mn-ea"/>
+                <a:cs typeface="+mn-cs"/>
+              </a:defRPr>
+            </a:lvl2pPr>
+            <a:lvl3pPr marL="922338" indent="-273050" algn="l" rtl="0" eaLnBrk="0" fontAlgn="base" hangingPunct="0">
+              <a:spcBef>
+                <a:spcPct val="20000"/>
+              </a:spcBef>
+              <a:spcAft>
+                <a:spcPct val="0"/>
+              </a:spcAft>
+              <a:buClr>
+                <a:schemeClr val="tx1">
+                  <a:lumMod val="50000"/>
+                </a:schemeClr>
+              </a:buClr>
+              <a:buFont typeface="Wingdings 2" pitchFamily="18" charset="2"/>
+              <a:buChar char=""/>
+              <a:defRPr sz="2800" b="1" kern="1200">
+                <a:solidFill>
+                  <a:schemeClr val="tx1">
+                    <a:lumMod val="20000"/>
+                    <a:lumOff val="80000"/>
+                  </a:schemeClr>
+                </a:solidFill>
+                <a:effectLst>
+                  <a:outerShdw blurRad="38100" dist="38100" dir="2700000" algn="tl">
+                    <a:srgbClr val="000000">
+                      <a:alpha val="43137"/>
+                    </a:srgbClr>
+                  </a:outerShdw>
+                </a:effectLst>
+                <a:latin typeface="+mn-lt"/>
+                <a:ea typeface="+mn-ea"/>
+                <a:cs typeface="+mn-cs"/>
+              </a:defRPr>
+            </a:lvl3pPr>
+            <a:lvl4pPr marL="1187450" indent="-228600" algn="l" rtl="0" eaLnBrk="0" fontAlgn="base" hangingPunct="0">
+              <a:spcBef>
+                <a:spcPct val="20000"/>
+              </a:spcBef>
+              <a:spcAft>
+                <a:spcPct val="0"/>
+              </a:spcAft>
+              <a:buClr>
+                <a:srgbClr val="F8BD52"/>
+              </a:buClr>
+              <a:buFont typeface="Wingdings 2" pitchFamily="18" charset="2"/>
+              <a:buChar char=""/>
+              <a:defRPr sz="2600" b="1" kern="1200">
+                <a:solidFill>
+                  <a:schemeClr val="tx1">
+                    <a:lumMod val="20000"/>
+                    <a:lumOff val="80000"/>
+                  </a:schemeClr>
+                </a:solidFill>
+                <a:effectLst>
+                  <a:outerShdw blurRad="38100" dist="38100" dir="2700000" algn="tl">
+                    <a:srgbClr val="000000">
+                      <a:alpha val="43137"/>
+                    </a:srgbClr>
+                  </a:outerShdw>
+                </a:effectLst>
+                <a:latin typeface="+mn-lt"/>
+                <a:ea typeface="+mn-ea"/>
+                <a:cs typeface="+mn-cs"/>
+              </a:defRPr>
+            </a:lvl4pPr>
+            <a:lvl5pPr marL="1425575" indent="-228600" algn="l" rtl="0" eaLnBrk="0" fontAlgn="base" hangingPunct="0">
+              <a:spcBef>
+                <a:spcPct val="20000"/>
+              </a:spcBef>
+              <a:spcAft>
+                <a:spcPct val="0"/>
+              </a:spcAft>
+              <a:buClr>
+                <a:srgbClr val="46A6BD"/>
+              </a:buClr>
+              <a:buFont typeface="Wingdings 2" pitchFamily="18" charset="2"/>
+              <a:buChar char=""/>
+              <a:defRPr sz="2400" b="1" kern="1200">
+                <a:solidFill>
+                  <a:schemeClr val="tx1">
+                    <a:lumMod val="20000"/>
+                    <a:lumOff val="80000"/>
+                  </a:schemeClr>
+                </a:solidFill>
+                <a:effectLst>
+                  <a:outerShdw blurRad="38100" dist="38100" dir="2700000" algn="tl">
+                    <a:srgbClr val="000000">
+                      <a:alpha val="43137"/>
+                    </a:srgbClr>
+                  </a:outerShdw>
+                </a:effectLst>
+                <a:latin typeface="+mn-lt"/>
+                <a:ea typeface="+mn-ea"/>
+                <a:cs typeface="+mn-cs"/>
+              </a:defRPr>
+            </a:lvl5pPr>
+            <a:lvl6pPr marL="1673352" indent="-228600" algn="l" rtl="0" eaLnBrk="1" latinLnBrk="0" hangingPunct="1">
+              <a:spcBef>
+                <a:spcPct val="20000"/>
+              </a:spcBef>
+              <a:buClr>
+                <a:schemeClr val="accent6"/>
+              </a:buClr>
+              <a:buFont typeface="Wingdings 2"/>
+              <a:buChar char=""/>
+              <a:defRPr sz="1800" kern="1200">
+                <a:solidFill>
+                  <a:schemeClr val="tx1"/>
+                </a:solidFill>
+                <a:latin typeface="+mn-lt"/>
+                <a:ea typeface="+mn-ea"/>
+                <a:cs typeface="+mn-cs"/>
+              </a:defRPr>
+            </a:lvl6pPr>
+            <a:lvl7pPr marL="1911096" indent="-228600" algn="l" rtl="0" eaLnBrk="1" latinLnBrk="0" hangingPunct="1">
+              <a:spcBef>
+                <a:spcPct val="20000"/>
+              </a:spcBef>
+              <a:buClr>
+                <a:schemeClr val="tx2"/>
+              </a:buClr>
+              <a:buFont typeface="Wingdings 2"/>
+              <a:buChar char=""/>
+              <a:defRPr sz="1600" kern="1200">
+                <a:solidFill>
+                  <a:schemeClr val="tx1"/>
+                </a:solidFill>
+                <a:latin typeface="+mn-lt"/>
+                <a:ea typeface="+mn-ea"/>
+                <a:cs typeface="+mn-cs"/>
+              </a:defRPr>
+            </a:lvl7pPr>
+            <a:lvl8pPr marL="2121408" indent="-182880" algn="l" rtl="0" eaLnBrk="1" latinLnBrk="0" hangingPunct="1">
+              <a:spcBef>
+                <a:spcPct val="20000"/>
+              </a:spcBef>
+              <a:buClr>
+                <a:schemeClr val="tx2"/>
+              </a:buClr>
+              <a:buFont typeface="Wingdings 2"/>
+              <a:buChar char=""/>
+              <a:defRPr sz="1400" kern="1200">
+                <a:solidFill>
+                  <a:schemeClr val="tx1"/>
+                </a:solidFill>
+                <a:latin typeface="+mn-lt"/>
+                <a:ea typeface="+mn-ea"/>
+                <a:cs typeface="+mn-cs"/>
+              </a:defRPr>
+            </a:lvl8pPr>
+            <a:lvl9pPr marL="2322576" indent="-182880" algn="l" rtl="0" eaLnBrk="1" latinLnBrk="0" hangingPunct="1">
+              <a:spcBef>
+                <a:spcPct val="20000"/>
+              </a:spcBef>
+              <a:buClr>
+                <a:schemeClr val="tx2"/>
+              </a:buClr>
+              <a:buFont typeface="Wingdings 2"/>
+              <a:buChar char=""/>
+              <a:defRPr sz="1400" kern="1200">
+                <a:solidFill>
+                  <a:schemeClr val="tx1"/>
+                </a:solidFill>
+                <a:latin typeface="+mn-lt"/>
+                <a:ea typeface="+mn-ea"/>
+                <a:cs typeface="+mn-cs"/>
+              </a:defRPr>
+            </a:lvl9pPr>
+          </a:lstStyle>
+          <a:p>
+            <a:r>
+              <a:rPr lang="en-US" dirty="0"/>
+              <a:t>@</a:t>
+            </a:r>
+            <a:r>
+              <a:rPr lang="en-US" dirty="0" err="1"/>
+              <a:t>Html.Action</a:t>
+            </a:r>
+            <a:r>
+              <a:rPr lang="en-US" dirty="0"/>
+              <a:t>("</a:t>
+            </a:r>
+            <a:r>
+              <a:rPr lang="en-US" dirty="0" err="1"/>
+              <a:t>ChildAction</a:t>
+            </a:r>
+            <a:r>
+              <a:rPr lang="en-US" dirty="0"/>
+              <a:t>")</a:t>
+            </a:r>
+            <a:endParaRPr lang="en-US" dirty="0"/>
+          </a:p>
+        </p:txBody>
+      </p:sp>
     </p:spTree>
     <p:extLst>
       <p:ext uri="{BB962C8B-B14F-4D97-AF65-F5344CB8AC3E}">
-        <p14:creationId xmlns:p14="http://schemas.microsoft.com/office/powerpoint/2010/main" val="4029341006"/>
+        <p14:creationId xmlns:p14="http://schemas.microsoft.com/office/powerpoint/2010/main" val="1976721563"/>
       </p:ext>
     </p:extLst>
   </p:cSld>
@@ -10228,7 +10983,12 @@
             <p:ph idx="1"/>
           </p:nvPr>
         </p:nvSpPr>
-        <p:spPr/>
+        <p:spPr>
+          <a:xfrm>
+            <a:off x="228600" y="762000"/>
+            <a:ext cx="8686800" cy="5791200"/>
+          </a:xfrm>
+        </p:spPr>
         <p:txBody>
           <a:bodyPr/>
           <a:lstStyle/>
@@ -10270,8 +11030,89 @@
             </a:r>
             <a:r>
               <a:rPr lang="en-US" dirty="0"/>
-              <a:t>for your own caching needs</a:t>
-            </a:r>
+              <a:t>for your own caching </a:t>
+            </a:r>
+            <a:r>
+              <a:rPr lang="en-US" dirty="0" smtClean="0"/>
+              <a:t>needs</a:t>
+            </a:r>
+          </a:p>
+          <a:p>
+            <a:pPr lvl="1">
+              <a:spcBef>
+                <a:spcPts val="300"/>
+              </a:spcBef>
+            </a:pPr>
+            <a:endParaRPr lang="en-US" dirty="0"/>
+          </a:p>
+          <a:p>
+            <a:pPr lvl="1">
+              <a:spcBef>
+                <a:spcPts val="300"/>
+              </a:spcBef>
+            </a:pPr>
+            <a:endParaRPr lang="en-US" dirty="0" smtClean="0"/>
+          </a:p>
+          <a:p>
+            <a:pPr lvl="1">
+              <a:spcBef>
+                <a:spcPts val="300"/>
+              </a:spcBef>
+            </a:pPr>
+            <a:endParaRPr lang="en-US" dirty="0"/>
+          </a:p>
+          <a:p>
+            <a:pPr lvl="1">
+              <a:spcBef>
+                <a:spcPts val="300"/>
+              </a:spcBef>
+            </a:pPr>
+            <a:endParaRPr lang="en-US" dirty="0" smtClean="0"/>
+          </a:p>
+          <a:p>
+            <a:pPr lvl="1"/>
+            <a:r>
+              <a:rPr lang="en-US" dirty="0" err="1" smtClean="0">
+                <a:solidFill>
+                  <a:schemeClr val="accent6">
+                    <a:lumMod val="20000"/>
+                    <a:lumOff val="80000"/>
+                  </a:schemeClr>
+                </a:solidFill>
+              </a:rPr>
+              <a:t>this.Cache</a:t>
+            </a:r>
+            <a:r>
+              <a:rPr lang="en-US" dirty="0" smtClean="0"/>
+              <a:t> in ASP.NET </a:t>
+            </a:r>
+            <a:r>
+              <a:rPr lang="en-US" dirty="0" err="1" smtClean="0"/>
+              <a:t>WebForms</a:t>
+            </a:r>
+            <a:endParaRPr lang="en-US" dirty="0" smtClean="0"/>
+          </a:p>
+          <a:p>
+            <a:pPr lvl="1"/>
+            <a:r>
+              <a:rPr lang="en-US" dirty="0" err="1" smtClean="0">
+                <a:solidFill>
+                  <a:schemeClr val="accent6">
+                    <a:lumMod val="20000"/>
+                    <a:lumOff val="80000"/>
+                  </a:schemeClr>
+                </a:solidFill>
+              </a:rPr>
+              <a:t>this.HttpContext.Cache</a:t>
+            </a:r>
+            <a:r>
+              <a:rPr lang="en-US" dirty="0" smtClean="0"/>
+              <a:t> in ASP.NET MVC</a:t>
+            </a:r>
+          </a:p>
+          <a:p>
+            <a:pPr lvl="1"/>
+            <a:endParaRPr lang="en-US" dirty="0"/>
           </a:p>
         </p:txBody>
       </p:sp>
@@ -10285,7 +11126,7 @@
         </p:nvSpPr>
         <p:spPr>
           <a:xfrm>
-            <a:off x="638175" y="3381167"/>
+            <a:off x="638175" y="3048000"/>
             <a:ext cx="7867650" cy="2246769"/>
           </a:xfrm>
           <a:prstGeom prst="rect">
@@ -11370,8 +12211,8 @@
         </p:nvSpPr>
         <p:spPr>
           <a:xfrm>
-            <a:off x="523875" y="1600200"/>
-            <a:ext cx="8096250" cy="4708981"/>
+            <a:off x="523874" y="1600200"/>
+            <a:ext cx="8162925" cy="4708981"/>
           </a:xfrm>
           <a:prstGeom prst="rect">
             <a:avLst/>
@@ -11690,7 +12531,15 @@
           <a:p>
             <a:r>
               <a:rPr lang="en-US" dirty="0"/>
-              <a:t>        "time",         // key</a:t>
+              <a:t>        "time",         </a:t>
+            </a:r>
+            <a:r>
+              <a:rPr lang="en-US" dirty="0" smtClean="0"/>
+              <a:t>             // </a:t>
+            </a:r>
+            <a:r>
+              <a:rPr lang="en-US" dirty="0"/>
+              <a:t>key</a:t>
             </a:r>
           </a:p>
           <a:p>
@@ -11704,13 +12553,26 @@
             </a:r>
             <a:r>
               <a:rPr lang="en-US" dirty="0"/>
-              <a:t>,   // object</a:t>
-            </a:r>
-          </a:p>
-          <a:p>
-            <a:r>
-              <a:rPr lang="en-US" dirty="0"/>
-              <a:t>        null,           // dependencies</a:t>
+              <a:t>,   </a:t>
+            </a:r>
+            <a:r>
+              <a:rPr lang="en-US" dirty="0" smtClean="0"/>
+              <a:t>             // value</a:t>
+            </a:r>
+            <a:endParaRPr lang="en-US" dirty="0"/>
+          </a:p>
+          <a:p>
+            <a:r>
+              <a:rPr lang="en-US" dirty="0"/>
+              <a:t>        null,           </a:t>
+            </a:r>
+            <a:r>
+              <a:rPr lang="en-US" dirty="0" smtClean="0"/>
+              <a:t>             // </a:t>
+            </a:r>
+            <a:r>
+              <a:rPr lang="en-US" dirty="0"/>
+              <a:t>dependencies</a:t>
             </a:r>
           </a:p>
           <a:p>
@@ -11758,7 +12620,15 @@
           <a:p>
             <a:r>
               <a:rPr lang="en-US" dirty="0"/>
-              <a:t>        null);          // callback delegate</a:t>
+              <a:t>        null);          </a:t>
+            </a:r>
+            <a:r>
+              <a:rPr lang="en-US" dirty="0" smtClean="0"/>
+              <a:t>             // </a:t>
+            </a:r>
+            <a:r>
+              <a:rPr lang="en-US" dirty="0"/>
+              <a:t>callback delegate</a:t>
             </a:r>
           </a:p>
           <a:p>
@@ -11962,14 +12832,22 @@
             </a:r>
             <a:r>
               <a:rPr lang="en-US" dirty="0" smtClean="0"/>
-              <a:t>data</a:t>
+              <a:t>cache data</a:t>
+            </a:r>
+            <a:r>
+              <a:rPr lang="en-US" dirty="0" smtClean="0"/>
+              <a:t/>
             </a:r>
             <a:br>
               <a:rPr lang="en-US" dirty="0" smtClean="0"/>
             </a:br>
             <a:r>
               <a:rPr lang="en-US" dirty="0" smtClean="0"/>
-              <a:t>removed first</a:t>
+              <a:t>will be removed </a:t>
+            </a:r>
+            <a:r>
+              <a:rPr lang="en-US" dirty="0" smtClean="0"/>
+              <a:t>first</a:t>
             </a:r>
           </a:p>
           <a:p>
@@ -12801,11 +13679,11 @@
   <p:clrMapOvr>
     <a:masterClrMapping/>
   </p:clrMapOvr>
-  <mc:AlternateContent xmlns:mc="http://schemas.openxmlformats.org/markup-compatibility/2006">
-    <mc:Choice xmlns:p14="http://schemas.microsoft.com/office/powerpoint/2010/main" Requires="p14">
+  <mc:AlternateContent xmlns:mc="http://schemas.openxmlformats.org/markup-compatibility/2006" xmlns:p14="http://schemas.microsoft.com/office/powerpoint/2010/main">
+    <mc:Choice Requires="p14">
       <p:transition spd="slow" p14:dur="2000"/>
     </mc:Choice>
-    <mc:Fallback>
+    <mc:Fallback xmlns="">
       <p:transition spd="slow"/>
     </mc:Fallback>
   </mc:AlternateContent>
@@ -12820,7 +13698,7 @@
 </file>
 
 <file path=ppt/slides/slide3.xml><?xml version="1.0" encoding="utf-8"?>
-<p:sld xmlns:a="http://schemas.openxmlformats.org/drawingml/2006/main" xmlns:r="http://schemas.openxmlformats.org/officeDocument/2006/relationships" xmlns:p="http://schemas.openxmlformats.org/presentationml/2006/main" show="0">
+<p:sld xmlns:a="http://schemas.openxmlformats.org/drawingml/2006/main" xmlns:r="http://schemas.openxmlformats.org/officeDocument/2006/relationships" xmlns:p="http://schemas.openxmlformats.org/presentationml/2006/main">
   <p:cSld>
     <p:spTree>
       <p:nvGrpSpPr>
@@ -12838,89 +13716,210 @@
       </p:grpSpPr>
       <p:sp>
         <p:nvSpPr>
-          <p:cNvPr id="9" name="Title 8"/>
+          <p:cNvPr id="2" name="Title 1"/>
           <p:cNvSpPr>
             <a:spLocks noGrp="1"/>
           </p:cNvSpPr>
           <p:nvPr>
-            <p:ph type="ctrTitle"/>
+            <p:ph type="title"/>
           </p:nvPr>
         </p:nvSpPr>
-        <p:spPr>
-          <a:xfrm>
-            <a:off x="609600" y="1143000"/>
-            <a:ext cx="7924800" cy="685800"/>
-          </a:xfrm>
-        </p:spPr>
+        <p:spPr/>
         <p:txBody>
           <a:bodyPr/>
           <a:lstStyle/>
           <a:p>
             <a:r>
-              <a:rPr lang="en-US" dirty="0"/>
-              <a:t>Data Caching Concepts</a:t>
-            </a:r>
+              <a:rPr lang="en-US" dirty="0" smtClean="0"/>
+              <a:t>Benefits and Costs of Caching</a:t>
+            </a:r>
+            <a:endParaRPr lang="en-US" dirty="0"/>
           </a:p>
         </p:txBody>
       </p:sp>
-      <p:pic>
-        <p:nvPicPr>
-          <p:cNvPr id="4" name="Picture 3"/>
-          <p:cNvPicPr>
-            <a:picLocks noChangeAspect="1"/>
-          </p:cNvPicPr>
-          <p:nvPr/>
-        </p:nvPicPr>
-        <p:blipFill>
-          <a:blip r:embed="rId2" cstate="print">
-            <a:extLst>
-              <a:ext uri="{28A0092B-C50C-407E-A947-70E740481C1C}">
-                <a14:useLocalDpi xmlns:a14="http://schemas.microsoft.com/office/drawing/2010/main" val="0"/>
-              </a:ext>
-            </a:extLst>
-          </a:blip>
-          <a:stretch>
-            <a:fillRect/>
-          </a:stretch>
-        </p:blipFill>
-        <p:spPr>
-          <a:xfrm>
-            <a:off x="2514600" y="2286000"/>
-            <a:ext cx="4114800" cy="4114800"/>
-          </a:xfrm>
-          <a:prstGeom prst="rect">
-            <a:avLst/>
-          </a:prstGeom>
-          <a:ln>
-            <a:noFill/>
-          </a:ln>
-          <a:effectLst>
-            <a:outerShdw blurRad="190500" algn="tl" rotWithShape="0">
-              <a:srgbClr val="000000">
-                <a:alpha val="70000"/>
-              </a:srgbClr>
-            </a:outerShdw>
-          </a:effectLst>
-        </p:spPr>
-      </p:pic>
+      <p:sp>
+        <p:nvSpPr>
+          <p:cNvPr id="3" name="Content Placeholder 2"/>
+          <p:cNvSpPr>
+            <a:spLocks noGrp="1"/>
+          </p:cNvSpPr>
+          <p:nvPr>
+            <p:ph idx="1"/>
+          </p:nvPr>
+        </p:nvSpPr>
+        <p:spPr/>
+        <p:txBody>
+          <a:bodyPr/>
+          <a:lstStyle/>
+          <a:p>
+            <a:pPr>
+              <a:spcBef>
+                <a:spcPts val="300"/>
+              </a:spcBef>
+              <a:spcAft>
+                <a:spcPts val="300"/>
+              </a:spcAft>
+            </a:pPr>
+            <a:r>
+              <a:rPr lang="en-US" dirty="0" smtClean="0"/>
+              <a:t>Benefits of Caching</a:t>
+            </a:r>
+            <a:endParaRPr lang="bg-BG" dirty="0" smtClean="0"/>
+          </a:p>
+          <a:p>
+            <a:pPr lvl="1">
+              <a:spcBef>
+                <a:spcPts val="300"/>
+              </a:spcBef>
+              <a:spcAft>
+                <a:spcPts val="300"/>
+              </a:spcAft>
+            </a:pPr>
+            <a:r>
+              <a:rPr lang="en-US" dirty="0" smtClean="0"/>
+              <a:t>Performance</a:t>
+            </a:r>
+          </a:p>
+          <a:p>
+            <a:pPr lvl="2">
+              <a:spcBef>
+                <a:spcPts val="300"/>
+              </a:spcBef>
+              <a:spcAft>
+                <a:spcPts val="300"/>
+              </a:spcAft>
+            </a:pPr>
+            <a:r>
+              <a:rPr lang="en-US" dirty="0" smtClean="0"/>
+              <a:t>Speed – Reduced response time</a:t>
+            </a:r>
+          </a:p>
+          <a:p>
+            <a:pPr lvl="2">
+              <a:spcBef>
+                <a:spcPts val="300"/>
+              </a:spcBef>
+              <a:spcAft>
+                <a:spcPts val="300"/>
+              </a:spcAft>
+            </a:pPr>
+            <a:r>
+              <a:rPr lang="en-US" dirty="0" smtClean="0"/>
+              <a:t>Efficiency – Reduced infrastructure usage</a:t>
+            </a:r>
+          </a:p>
+          <a:p>
+            <a:pPr lvl="3">
+              <a:spcBef>
+                <a:spcPts val="300"/>
+              </a:spcBef>
+              <a:spcAft>
+                <a:spcPts val="300"/>
+              </a:spcAft>
+            </a:pPr>
+            <a:r>
+              <a:rPr lang="en-US" dirty="0" smtClean="0"/>
+              <a:t>CPU time, database utilization, network bandwidth</a:t>
+            </a:r>
+          </a:p>
+          <a:p>
+            <a:pPr lvl="3">
+              <a:spcBef>
+                <a:spcPts val="300"/>
+              </a:spcBef>
+              <a:spcAft>
+                <a:spcPts val="300"/>
+              </a:spcAft>
+            </a:pPr>
+            <a:r>
+              <a:rPr lang="en-US" dirty="0"/>
+              <a:t>Reduce DB round trips</a:t>
+            </a:r>
+          </a:p>
+          <a:p>
+            <a:pPr>
+              <a:spcBef>
+                <a:spcPts val="300"/>
+              </a:spcBef>
+              <a:spcAft>
+                <a:spcPts val="300"/>
+              </a:spcAft>
+            </a:pPr>
+            <a:r>
+              <a:rPr lang="en-US" dirty="0" smtClean="0"/>
+              <a:t>Costs of Caching</a:t>
+            </a:r>
+          </a:p>
+          <a:p>
+            <a:pPr lvl="1">
+              <a:spcBef>
+                <a:spcPts val="300"/>
+              </a:spcBef>
+              <a:spcAft>
+                <a:spcPts val="300"/>
+              </a:spcAft>
+            </a:pPr>
+            <a:r>
+              <a:rPr lang="en-US" dirty="0" smtClean="0"/>
+              <a:t>Staleness (out-of-date)</a:t>
+            </a:r>
+          </a:p>
+          <a:p>
+            <a:pPr lvl="1">
+              <a:spcBef>
+                <a:spcPts val="300"/>
+              </a:spcBef>
+              <a:spcAft>
+                <a:spcPts val="300"/>
+              </a:spcAft>
+            </a:pPr>
+            <a:r>
+              <a:rPr lang="en-US" dirty="0" smtClean="0"/>
+              <a:t>Need to check and refresh data</a:t>
+            </a:r>
+            <a:endParaRPr lang="en-US" dirty="0"/>
+          </a:p>
+        </p:txBody>
+      </p:sp>
+      <p:sp>
+        <p:nvSpPr>
+          <p:cNvPr id="4" name="Slide Number Placeholder 3"/>
+          <p:cNvSpPr>
+            <a:spLocks noGrp="1"/>
+          </p:cNvSpPr>
+          <p:nvPr>
+            <p:ph type="sldNum" sz="quarter" idx="10"/>
+          </p:nvPr>
+        </p:nvSpPr>
+        <p:spPr/>
+        <p:txBody>
+          <a:bodyPr/>
+          <a:lstStyle/>
+          <a:p>
+            <a:pPr>
+              <a:defRPr/>
+            </a:pPr>
+            <a:fld id="{58452FF4-89E3-4D1B-9927-2DBDC00E58D7}" type="slidenum">
+              <a:rPr lang="en-US" smtClean="0"/>
+              <a:pPr>
+                <a:defRPr/>
+              </a:pPr>
+              <a:t>3</a:t>
+            </a:fld>
+            <a:endParaRPr lang="en-US" dirty="0"/>
+          </a:p>
+        </p:txBody>
+      </p:sp>
     </p:spTree>
     <p:extLst>
       <p:ext uri="{BB962C8B-B14F-4D97-AF65-F5344CB8AC3E}">
-        <p14:creationId xmlns:p14="http://schemas.microsoft.com/office/powerpoint/2010/main" val="3793770972"/>
+        <p14:creationId xmlns:p14="http://schemas.microsoft.com/office/powerpoint/2010/main" val="243970046"/>
       </p:ext>
     </p:extLst>
   </p:cSld>
   <p:clrMapOvr>
     <a:masterClrMapping/>
   </p:clrMapOvr>
-  <mc:AlternateContent xmlns:mc="http://schemas.openxmlformats.org/markup-compatibility/2006" xmlns:p14="http://schemas.microsoft.com/office/powerpoint/2010/main">
-    <mc:Choice Requires="p14">
-      <p:transition spd="slow" p14:dur="2000"/>
-    </mc:Choice>
-    <mc:Fallback xmlns="">
-      <p:transition spd="slow"/>
-    </mc:Fallback>
-  </mc:AlternateContent>
 </p:sld>
 </file>
 
@@ -13432,232 +14431,6 @@
       </p:grpSpPr>
       <p:sp>
         <p:nvSpPr>
-          <p:cNvPr id="2" name="Title 1"/>
-          <p:cNvSpPr>
-            <a:spLocks noGrp="1"/>
-          </p:cNvSpPr>
-          <p:nvPr>
-            <p:ph type="title"/>
-          </p:nvPr>
-        </p:nvSpPr>
-        <p:spPr/>
-        <p:txBody>
-          <a:bodyPr/>
-          <a:lstStyle/>
-          <a:p>
-            <a:r>
-              <a:rPr lang="en-US" dirty="0" smtClean="0"/>
-              <a:t>Benefits and Costs of Caching</a:t>
-            </a:r>
-            <a:endParaRPr lang="en-US" dirty="0"/>
-          </a:p>
-        </p:txBody>
-      </p:sp>
-      <p:sp>
-        <p:nvSpPr>
-          <p:cNvPr id="3" name="Content Placeholder 2"/>
-          <p:cNvSpPr>
-            <a:spLocks noGrp="1"/>
-          </p:cNvSpPr>
-          <p:nvPr>
-            <p:ph idx="1"/>
-          </p:nvPr>
-        </p:nvSpPr>
-        <p:spPr/>
-        <p:txBody>
-          <a:bodyPr/>
-          <a:lstStyle/>
-          <a:p>
-            <a:pPr>
-              <a:spcBef>
-                <a:spcPts val="300"/>
-              </a:spcBef>
-              <a:spcAft>
-                <a:spcPts val="300"/>
-              </a:spcAft>
-            </a:pPr>
-            <a:r>
-              <a:rPr lang="en-US" dirty="0" smtClean="0"/>
-              <a:t>Benefits of Caching</a:t>
-            </a:r>
-            <a:endParaRPr lang="bg-BG" dirty="0" smtClean="0"/>
-          </a:p>
-          <a:p>
-            <a:pPr lvl="1">
-              <a:spcBef>
-                <a:spcPts val="300"/>
-              </a:spcBef>
-              <a:spcAft>
-                <a:spcPts val="300"/>
-              </a:spcAft>
-            </a:pPr>
-            <a:r>
-              <a:rPr lang="en-US" dirty="0" smtClean="0"/>
-              <a:t>Performance</a:t>
-            </a:r>
-          </a:p>
-          <a:p>
-            <a:pPr lvl="2">
-              <a:spcBef>
-                <a:spcPts val="300"/>
-              </a:spcBef>
-              <a:spcAft>
-                <a:spcPts val="300"/>
-              </a:spcAft>
-            </a:pPr>
-            <a:r>
-              <a:rPr lang="en-US" dirty="0" smtClean="0"/>
-              <a:t>Speed – Reduced response time</a:t>
-            </a:r>
-          </a:p>
-          <a:p>
-            <a:pPr lvl="2">
-              <a:spcBef>
-                <a:spcPts val="300"/>
-              </a:spcBef>
-              <a:spcAft>
-                <a:spcPts val="300"/>
-              </a:spcAft>
-            </a:pPr>
-            <a:r>
-              <a:rPr lang="en-US" dirty="0" smtClean="0"/>
-              <a:t>Efficiency – Reduced infrastructure usage</a:t>
-            </a:r>
-          </a:p>
-          <a:p>
-            <a:pPr lvl="3">
-              <a:spcBef>
-                <a:spcPts val="300"/>
-              </a:spcBef>
-              <a:spcAft>
-                <a:spcPts val="300"/>
-              </a:spcAft>
-            </a:pPr>
-            <a:r>
-              <a:rPr lang="en-US" dirty="0" smtClean="0"/>
-              <a:t>CPU time, database utilization, network bandwidth</a:t>
-            </a:r>
-          </a:p>
-          <a:p>
-            <a:pPr lvl="3">
-              <a:spcBef>
-                <a:spcPts val="300"/>
-              </a:spcBef>
-              <a:spcAft>
-                <a:spcPts val="300"/>
-              </a:spcAft>
-            </a:pPr>
-            <a:r>
-              <a:rPr lang="en-US" dirty="0"/>
-              <a:t>Reduce DB round trips</a:t>
-            </a:r>
-          </a:p>
-          <a:p>
-            <a:pPr>
-              <a:spcBef>
-                <a:spcPts val="300"/>
-              </a:spcBef>
-              <a:spcAft>
-                <a:spcPts val="300"/>
-              </a:spcAft>
-            </a:pPr>
-            <a:r>
-              <a:rPr lang="en-US" dirty="0" smtClean="0"/>
-              <a:t>Costs of Caching</a:t>
-            </a:r>
-          </a:p>
-          <a:p>
-            <a:pPr lvl="1">
-              <a:spcBef>
-                <a:spcPts val="300"/>
-              </a:spcBef>
-              <a:spcAft>
-                <a:spcPts val="300"/>
-              </a:spcAft>
-            </a:pPr>
-            <a:r>
-              <a:rPr lang="en-US" dirty="0" smtClean="0"/>
-              <a:t>Staleness (out-of-date)</a:t>
-            </a:r>
-          </a:p>
-          <a:p>
-            <a:pPr lvl="1">
-              <a:spcBef>
-                <a:spcPts val="300"/>
-              </a:spcBef>
-              <a:spcAft>
-                <a:spcPts val="300"/>
-              </a:spcAft>
-            </a:pPr>
-            <a:r>
-              <a:rPr lang="en-US" dirty="0" smtClean="0"/>
-              <a:t>Need to check and refresh data</a:t>
-            </a:r>
-            <a:endParaRPr lang="en-US" dirty="0"/>
-          </a:p>
-        </p:txBody>
-      </p:sp>
-      <p:sp>
-        <p:nvSpPr>
-          <p:cNvPr id="4" name="Slide Number Placeholder 3"/>
-          <p:cNvSpPr>
-            <a:spLocks noGrp="1"/>
-          </p:cNvSpPr>
-          <p:nvPr>
-            <p:ph type="sldNum" sz="quarter" idx="10"/>
-          </p:nvPr>
-        </p:nvSpPr>
-        <p:spPr/>
-        <p:txBody>
-          <a:bodyPr/>
-          <a:lstStyle/>
-          <a:p>
-            <a:pPr>
-              <a:defRPr/>
-            </a:pPr>
-            <a:fld id="{58452FF4-89E3-4D1B-9927-2DBDC00E58D7}" type="slidenum">
-              <a:rPr lang="en-US" smtClean="0"/>
-              <a:pPr>
-                <a:defRPr/>
-              </a:pPr>
-              <a:t>4</a:t>
-            </a:fld>
-            <a:endParaRPr lang="en-US" dirty="0"/>
-          </a:p>
-        </p:txBody>
-      </p:sp>
-    </p:spTree>
-    <p:extLst>
-      <p:ext uri="{BB962C8B-B14F-4D97-AF65-F5344CB8AC3E}">
-        <p14:creationId xmlns:p14="http://schemas.microsoft.com/office/powerpoint/2010/main" val="243970046"/>
-      </p:ext>
-    </p:extLst>
-  </p:cSld>
-  <p:clrMapOvr>
-    <a:masterClrMapping/>
-  </p:clrMapOvr>
-</p:sld>
-</file>
-
-<file path=ppt/slides/slide5.xml><?xml version="1.0" encoding="utf-8"?>
-<p:sld xmlns:a="http://schemas.openxmlformats.org/drawingml/2006/main" xmlns:r="http://schemas.openxmlformats.org/officeDocument/2006/relationships" xmlns:p="http://schemas.openxmlformats.org/presentationml/2006/main">
-  <p:cSld>
-    <p:spTree>
-      <p:nvGrpSpPr>
-        <p:cNvPr id="1" name=""/>
-        <p:cNvGrpSpPr/>
-        <p:nvPr/>
-      </p:nvGrpSpPr>
-      <p:grpSpPr>
-        <a:xfrm>
-          <a:off x="0" y="0"/>
-          <a:ext cx="0" cy="0"/>
-          <a:chOff x="0" y="0"/>
-          <a:chExt cx="0" cy="0"/>
-        </a:xfrm>
-      </p:grpSpPr>
-      <p:sp>
-        <p:nvSpPr>
           <p:cNvPr id="5" name="Title 4"/>
           <p:cNvSpPr>
             <a:spLocks noGrp="1"/>
@@ -13751,7 +14524,7 @@
 </p:sld>
 </file>
 
-<file path=ppt/slides/slide6.xml><?xml version="1.0" encoding="utf-8"?>
+<file path=ppt/slides/slide5.xml><?xml version="1.0" encoding="utf-8"?>
 <p:sld xmlns:a="http://schemas.openxmlformats.org/drawingml/2006/main" xmlns:r="http://schemas.openxmlformats.org/officeDocument/2006/relationships" xmlns:p="http://schemas.openxmlformats.org/presentationml/2006/main">
   <p:cSld>
     <p:spTree>
@@ -13873,7 +14646,7 @@
               <a:pPr>
                 <a:defRPr/>
               </a:pPr>
-              <a:t>6</a:t>
+              <a:t>5</a:t>
             </a:fld>
             <a:endParaRPr lang="en-US" dirty="0"/>
           </a:p>
@@ -14502,7 +15275,7 @@
 </p:sld>
 </file>
 
-<file path=ppt/slides/slide7.xml><?xml version="1.0" encoding="utf-8"?>
+<file path=ppt/slides/slide6.xml><?xml version="1.0" encoding="utf-8"?>
 <p:sld xmlns:a="http://schemas.openxmlformats.org/drawingml/2006/main" xmlns:r="http://schemas.openxmlformats.org/officeDocument/2006/relationships" xmlns:p="http://schemas.openxmlformats.org/presentationml/2006/main">
   <p:cSld>
     <p:spTree>
@@ -15034,7 +15807,7 @@
               <a:pPr>
                 <a:defRPr/>
               </a:pPr>
-              <a:t>7</a:t>
+              <a:t>6</a:t>
             </a:fld>
             <a:endParaRPr lang="en-US" dirty="0"/>
           </a:p>
@@ -15053,7 +15826,7 @@
 </p:sld>
 </file>
 
-<file path=ppt/slides/slide8.xml><?xml version="1.0" encoding="utf-8"?>
+<file path=ppt/slides/slide7.xml><?xml version="1.0" encoding="utf-8"?>
 <p:sld xmlns:a="http://schemas.openxmlformats.org/drawingml/2006/main" xmlns:r="http://schemas.openxmlformats.org/officeDocument/2006/relationships" xmlns:p="http://schemas.openxmlformats.org/presentationml/2006/main">
   <p:cSld>
     <p:spTree>
@@ -15248,7 +16021,7 @@
               <a:pPr>
                 <a:defRPr/>
               </a:pPr>
-              <a:t>8</a:t>
+              <a:t>7</a:t>
             </a:fld>
             <a:endParaRPr lang="en-US" dirty="0"/>
           </a:p>
@@ -15808,7 +16581,7 @@
 </p:sld>
 </file>
 
-<file path=ppt/slides/slide9.xml><?xml version="1.0" encoding="utf-8"?>
+<file path=ppt/slides/slide8.xml><?xml version="1.0" encoding="utf-8"?>
 <p:sld xmlns:a="http://schemas.openxmlformats.org/drawingml/2006/main" xmlns:r="http://schemas.openxmlformats.org/officeDocument/2006/relationships" xmlns:p="http://schemas.openxmlformats.org/presentationml/2006/main">
   <p:cSld>
     <p:spTree>
@@ -16013,7 +16786,7 @@
               <a:pPr>
                 <a:defRPr/>
               </a:pPr>
-              <a:t>9</a:t>
+              <a:t>8</a:t>
             </a:fld>
             <a:endParaRPr lang="en-US" dirty="0"/>
           </a:p>
@@ -16023,6 +16796,298 @@
     <p:extLst>
       <p:ext uri="{BB962C8B-B14F-4D97-AF65-F5344CB8AC3E}">
         <p14:creationId xmlns:p14="http://schemas.microsoft.com/office/powerpoint/2010/main" val="4052972745"/>
+      </p:ext>
+    </p:extLst>
+  </p:cSld>
+  <p:clrMapOvr>
+    <a:masterClrMapping/>
+  </p:clrMapOvr>
+</p:sld>
+</file>
+
+<file path=ppt/slides/slide9.xml><?xml version="1.0" encoding="utf-8"?>
+<p:sld xmlns:a="http://schemas.openxmlformats.org/drawingml/2006/main" xmlns:r="http://schemas.openxmlformats.org/officeDocument/2006/relationships" xmlns:p="http://schemas.openxmlformats.org/presentationml/2006/main">
+  <p:cSld>
+    <p:spTree>
+      <p:nvGrpSpPr>
+        <p:cNvPr id="1" name=""/>
+        <p:cNvGrpSpPr/>
+        <p:nvPr/>
+      </p:nvGrpSpPr>
+      <p:grpSpPr>
+        <a:xfrm>
+          <a:off x="0" y="0"/>
+          <a:ext cx="0" cy="0"/>
+          <a:chOff x="0" y="0"/>
+          <a:chExt cx="0" cy="0"/>
+        </a:xfrm>
+      </p:grpSpPr>
+      <p:sp>
+        <p:nvSpPr>
+          <p:cNvPr id="2" name="Title 1"/>
+          <p:cNvSpPr>
+            <a:spLocks noGrp="1"/>
+          </p:cNvSpPr>
+          <p:nvPr>
+            <p:ph type="title"/>
+          </p:nvPr>
+        </p:nvSpPr>
+        <p:spPr/>
+        <p:txBody>
+          <a:bodyPr/>
+          <a:lstStyle/>
+          <a:p>
+            <a:r>
+              <a:rPr lang="en-US" dirty="0" err="1"/>
+              <a:t>VaryByParam</a:t>
+            </a:r>
+            <a:r>
+              <a:rPr lang="en-US" dirty="0"/>
+              <a:t> values</a:t>
+            </a:r>
+          </a:p>
+        </p:txBody>
+      </p:sp>
+      <p:sp>
+        <p:nvSpPr>
+          <p:cNvPr id="3" name="Content Placeholder 2"/>
+          <p:cNvSpPr>
+            <a:spLocks noGrp="1"/>
+          </p:cNvSpPr>
+          <p:nvPr>
+            <p:ph idx="1"/>
+          </p:nvPr>
+        </p:nvSpPr>
+        <p:spPr/>
+        <p:txBody>
+          <a:bodyPr/>
+          <a:lstStyle/>
+          <a:p>
+            <a:r>
+              <a:rPr lang="en-US" dirty="0"/>
+              <a:t>A semi-colon separated list of strings representing query string values in a GET request, or variables in a POST request.</a:t>
+            </a:r>
+          </a:p>
+          <a:p>
+            <a:endParaRPr lang="en-US" dirty="0"/>
+          </a:p>
+        </p:txBody>
+      </p:sp>
+      <p:sp>
+        <p:nvSpPr>
+          <p:cNvPr id="4" name="Slide Number Placeholder 3"/>
+          <p:cNvSpPr>
+            <a:spLocks noGrp="1"/>
+          </p:cNvSpPr>
+          <p:nvPr>
+            <p:ph type="sldNum" sz="quarter" idx="10"/>
+          </p:nvPr>
+        </p:nvSpPr>
+        <p:spPr/>
+        <p:txBody>
+          <a:bodyPr/>
+          <a:lstStyle/>
+          <a:p>
+            <a:pPr>
+              <a:defRPr/>
+            </a:pPr>
+            <a:fld id="{58452FF4-89E3-4D1B-9927-2DBDC00E58D7}" type="slidenum">
+              <a:rPr lang="en-US" smtClean="0"/>
+              <a:pPr>
+                <a:defRPr/>
+              </a:pPr>
+              <a:t>9</a:t>
+            </a:fld>
+            <a:endParaRPr lang="en-US" dirty="0"/>
+          </a:p>
+        </p:txBody>
+      </p:sp>
+      <p:graphicFrame>
+        <p:nvGraphicFramePr>
+          <p:cNvPr id="5" name="Content Placeholder 4"/>
+          <p:cNvGraphicFramePr>
+            <a:graphicFrameLocks/>
+          </p:cNvGraphicFramePr>
+          <p:nvPr>
+            <p:extLst>
+              <p:ext uri="{D42A27DB-BD31-4B8C-83A1-F6EECF244321}">
+                <p14:modId xmlns:p14="http://schemas.microsoft.com/office/powerpoint/2010/main" val="2719123814"/>
+              </p:ext>
+            </p:extLst>
+          </p:nvPr>
+        </p:nvGraphicFramePr>
+        <p:xfrm>
+          <a:off x="990600" y="3048000"/>
+          <a:ext cx="7086600" cy="2479040"/>
+        </p:xfrm>
+        <a:graphic>
+          <a:graphicData uri="http://schemas.openxmlformats.org/drawingml/2006/table">
+            <a:tbl>
+              <a:tblPr firstRow="1" bandRow="1">
+                <a:tableStyleId>{073A0DAA-6AF3-43AB-8588-CEC1D06C72B9}</a:tableStyleId>
+              </a:tblPr>
+              <a:tblGrid>
+                <a:gridCol w="1371600"/>
+                <a:gridCol w="5715000"/>
+              </a:tblGrid>
+              <a:tr h="370840">
+                <a:tc>
+                  <a:txBody>
+                    <a:bodyPr/>
+                    <a:lstStyle/>
+                    <a:p>
+                      <a:r>
+                        <a:rPr lang="en-US" dirty="0" smtClean="0"/>
+                        <a:t>Value</a:t>
+                      </a:r>
+                      <a:endParaRPr lang="en-US" dirty="0"/>
+                    </a:p>
+                  </a:txBody>
+                  <a:tcPr/>
+                </a:tc>
+                <a:tc>
+                  <a:txBody>
+                    <a:bodyPr/>
+                    <a:lstStyle/>
+                    <a:p>
+                      <a:r>
+                        <a:rPr lang="en-US" dirty="0" smtClean="0"/>
+                        <a:t>Description</a:t>
+                      </a:r>
+                      <a:endParaRPr lang="en-US" dirty="0"/>
+                    </a:p>
+                  </a:txBody>
+                  <a:tcPr/>
+                </a:tc>
+              </a:tr>
+              <a:tr h="370840">
+                <a:tc>
+                  <a:txBody>
+                    <a:bodyPr/>
+                    <a:lstStyle/>
+                    <a:p>
+                      <a:r>
+                        <a:rPr lang="en-US" sz="1600" dirty="0" smtClean="0"/>
+                        <a:t>'none'</a:t>
+                      </a:r>
+                      <a:endParaRPr lang="en-US" sz="1600" dirty="0"/>
+                    </a:p>
+                  </a:txBody>
+                  <a:tcPr/>
+                </a:tc>
+                <a:tc>
+                  <a:txBody>
+                    <a:bodyPr/>
+                    <a:lstStyle/>
+                    <a:p>
+                      <a:r>
+                        <a:rPr lang="en-US" sz="1600" dirty="0" smtClean="0"/>
+                        <a:t>One version of page cached per request type (GET, POST, HEAD)</a:t>
+                      </a:r>
+                      <a:endParaRPr lang="en-US" sz="1600" dirty="0"/>
+                    </a:p>
+                  </a:txBody>
+                  <a:tcPr/>
+                </a:tc>
+              </a:tr>
+              <a:tr h="370840">
+                <a:tc>
+                  <a:txBody>
+                    <a:bodyPr/>
+                    <a:lstStyle/>
+                    <a:p>
+                      <a:r>
+                        <a:rPr lang="en-US" sz="1600" dirty="0" smtClean="0"/>
+                        <a:t>'*'</a:t>
+                      </a:r>
+                      <a:endParaRPr lang="en-US" sz="1600" dirty="0"/>
+                    </a:p>
+                  </a:txBody>
+                  <a:tcPr/>
+                </a:tc>
+                <a:tc>
+                  <a:txBody>
+                    <a:bodyPr/>
+                    <a:lstStyle/>
+                    <a:p>
+                      <a:r>
+                        <a:rPr lang="en-US" sz="1600" dirty="0" smtClean="0"/>
+                        <a:t>N versions of page cached based on query string and/or POST body variables</a:t>
+                      </a:r>
+                      <a:endParaRPr lang="en-US" sz="1600" dirty="0"/>
+                    </a:p>
+                  </a:txBody>
+                  <a:tcPr/>
+                </a:tc>
+              </a:tr>
+              <a:tr h="370840">
+                <a:tc>
+                  <a:txBody>
+                    <a:bodyPr/>
+                    <a:lstStyle/>
+                    <a:p>
+                      <a:r>
+                        <a:rPr lang="en-US" sz="1600" dirty="0" smtClean="0"/>
+                        <a:t>'v1'</a:t>
+                      </a:r>
+                      <a:endParaRPr lang="en-US" sz="1600" dirty="0"/>
+                    </a:p>
+                  </a:txBody>
+                  <a:tcPr/>
+                </a:tc>
+                <a:tc>
+                  <a:txBody>
+                    <a:bodyPr/>
+                    <a:lstStyle/>
+                    <a:p>
+                      <a:r>
+                        <a:rPr lang="en-US" sz="1600" dirty="0" smtClean="0"/>
+                        <a:t>N versions of page cached based on value of v1 variable in query string or POST body</a:t>
+                      </a:r>
+                      <a:endParaRPr lang="en-US" sz="1600" dirty="0"/>
+                    </a:p>
+                  </a:txBody>
+                  <a:tcPr/>
+                </a:tc>
+              </a:tr>
+              <a:tr h="370840">
+                <a:tc>
+                  <a:txBody>
+                    <a:bodyPr/>
+                    <a:lstStyle/>
+                    <a:p>
+                      <a:r>
+                        <a:rPr lang="en-US" sz="1600" dirty="0" smtClean="0"/>
+                        <a:t>'v1;v2'</a:t>
+                      </a:r>
+                      <a:endParaRPr lang="en-US" sz="1600" dirty="0"/>
+                    </a:p>
+                  </a:txBody>
+                  <a:tcPr/>
+                </a:tc>
+                <a:tc>
+                  <a:txBody>
+                    <a:bodyPr/>
+                    <a:lstStyle/>
+                    <a:p>
+                      <a:r>
+                        <a:rPr lang="en-US" sz="1600" dirty="0" smtClean="0"/>
+                        <a:t>N versions of page cached based on value of v1 and v2 variables in query string or POST body</a:t>
+                      </a:r>
+                      <a:endParaRPr lang="en-US" sz="1600" dirty="0"/>
+                    </a:p>
+                  </a:txBody>
+                  <a:tcPr/>
+                </a:tc>
+              </a:tr>
+            </a:tbl>
+          </a:graphicData>
+        </a:graphic>
+      </p:graphicFrame>
+    </p:spTree>
+    <p:extLst>
+      <p:ext uri="{BB962C8B-B14F-4D97-AF65-F5344CB8AC3E}">
+        <p14:creationId xmlns:p14="http://schemas.microsoft.com/office/powerpoint/2010/main" val="3232027728"/>
       </p:ext>
     </p:extLst>
   </p:cSld>
